--- a/Proyecto 2 - Analisis Exploratorio.pptx
+++ b/Proyecto 2 - Analisis Exploratorio.pptx
@@ -12,9 +12,10 @@
     <p:sldId id="274" r:id="rId6"/>
     <p:sldId id="275" r:id="rId7"/>
     <p:sldId id="276" r:id="rId8"/>
-    <p:sldId id="277" r:id="rId9"/>
-    <p:sldId id="279" r:id="rId10"/>
-    <p:sldId id="271" r:id="rId11"/>
+    <p:sldId id="282" r:id="rId9"/>
+    <p:sldId id="277" r:id="rId10"/>
+    <p:sldId id="279" r:id="rId11"/>
+    <p:sldId id="271" r:id="rId12"/>
   </p:sldIdLst>
   <p:sldSz cx="12192000" cy="6858000"/>
   <p:notesSz cx="6858000" cy="9144000"/>
@@ -6040,7 +6041,7 @@
           <a:p>
             <a:fld id="{B60B09AE-55CF-4D3F-BE2B-308A794E7B3F}" type="datetimeFigureOut">
               <a:rPr lang="es-ES" smtClean="0"/>
-              <a:t>09/01/2023</a:t>
+              <a:t>17/01/2023</a:t>
             </a:fld>
             <a:endParaRPr lang="es-ES"/>
           </a:p>
@@ -6238,7 +6239,7 @@
           <a:p>
             <a:fld id="{B60B09AE-55CF-4D3F-BE2B-308A794E7B3F}" type="datetimeFigureOut">
               <a:rPr lang="es-ES" smtClean="0"/>
-              <a:t>09/01/2023</a:t>
+              <a:t>17/01/2023</a:t>
             </a:fld>
             <a:endParaRPr lang="es-ES"/>
           </a:p>
@@ -6446,7 +6447,7 @@
           <a:p>
             <a:fld id="{B60B09AE-55CF-4D3F-BE2B-308A794E7B3F}" type="datetimeFigureOut">
               <a:rPr lang="es-ES" smtClean="0"/>
-              <a:t>09/01/2023</a:t>
+              <a:t>17/01/2023</a:t>
             </a:fld>
             <a:endParaRPr lang="es-ES"/>
           </a:p>
@@ -6644,7 +6645,7 @@
           <a:p>
             <a:fld id="{B60B09AE-55CF-4D3F-BE2B-308A794E7B3F}" type="datetimeFigureOut">
               <a:rPr lang="es-ES" smtClean="0"/>
-              <a:t>09/01/2023</a:t>
+              <a:t>17/01/2023</a:t>
             </a:fld>
             <a:endParaRPr lang="es-ES"/>
           </a:p>
@@ -6919,7 +6920,7 @@
           <a:p>
             <a:fld id="{B60B09AE-55CF-4D3F-BE2B-308A794E7B3F}" type="datetimeFigureOut">
               <a:rPr lang="es-ES" smtClean="0"/>
-              <a:t>09/01/2023</a:t>
+              <a:t>17/01/2023</a:t>
             </a:fld>
             <a:endParaRPr lang="es-ES"/>
           </a:p>
@@ -7184,7 +7185,7 @@
           <a:p>
             <a:fld id="{B60B09AE-55CF-4D3F-BE2B-308A794E7B3F}" type="datetimeFigureOut">
               <a:rPr lang="es-ES" smtClean="0"/>
-              <a:t>09/01/2023</a:t>
+              <a:t>17/01/2023</a:t>
             </a:fld>
             <a:endParaRPr lang="es-ES"/>
           </a:p>
@@ -7596,7 +7597,7 @@
           <a:p>
             <a:fld id="{B60B09AE-55CF-4D3F-BE2B-308A794E7B3F}" type="datetimeFigureOut">
               <a:rPr lang="es-ES" smtClean="0"/>
-              <a:t>09/01/2023</a:t>
+              <a:t>17/01/2023</a:t>
             </a:fld>
             <a:endParaRPr lang="es-ES"/>
           </a:p>
@@ -7737,7 +7738,7 @@
           <a:p>
             <a:fld id="{B60B09AE-55CF-4D3F-BE2B-308A794E7B3F}" type="datetimeFigureOut">
               <a:rPr lang="es-ES" smtClean="0"/>
-              <a:t>09/01/2023</a:t>
+              <a:t>17/01/2023</a:t>
             </a:fld>
             <a:endParaRPr lang="es-ES"/>
           </a:p>
@@ -7850,7 +7851,7 @@
           <a:p>
             <a:fld id="{B60B09AE-55CF-4D3F-BE2B-308A794E7B3F}" type="datetimeFigureOut">
               <a:rPr lang="es-ES" smtClean="0"/>
-              <a:t>09/01/2023</a:t>
+              <a:t>17/01/2023</a:t>
             </a:fld>
             <a:endParaRPr lang="es-ES"/>
           </a:p>
@@ -8161,7 +8162,7 @@
           <a:p>
             <a:fld id="{B60B09AE-55CF-4D3F-BE2B-308A794E7B3F}" type="datetimeFigureOut">
               <a:rPr lang="es-ES" smtClean="0"/>
-              <a:t>09/01/2023</a:t>
+              <a:t>17/01/2023</a:t>
             </a:fld>
             <a:endParaRPr lang="es-ES"/>
           </a:p>
@@ -8449,7 +8450,7 @@
           <a:p>
             <a:fld id="{B60B09AE-55CF-4D3F-BE2B-308A794E7B3F}" type="datetimeFigureOut">
               <a:rPr lang="es-ES" smtClean="0"/>
-              <a:t>09/01/2023</a:t>
+              <a:t>17/01/2023</a:t>
             </a:fld>
             <a:endParaRPr lang="es-ES"/>
           </a:p>
@@ -8690,7 +8691,7 @@
           <a:p>
             <a:fld id="{B60B09AE-55CF-4D3F-BE2B-308A794E7B3F}" type="datetimeFigureOut">
               <a:rPr lang="es-ES" smtClean="0"/>
-              <a:t>09/01/2023</a:t>
+              <a:t>17/01/2023</a:t>
             </a:fld>
             <a:endParaRPr lang="es-ES"/>
           </a:p>
@@ -9154,7 +9155,7 @@
             <a:pPr algn="ctr"/>
             <a:r>
               <a:rPr lang="es-ES" sz="2800" b="1" dirty="0"/>
-              <a:t>PROYECTO 1</a:t>
+              <a:t>PROYECTO 2</a:t>
             </a:r>
           </a:p>
           <a:p>
@@ -9307,7 +9308,7 @@
             </a:pPr>
             <a:r>
               <a:rPr lang="es-ES" altLang="es-ES" sz="1600" dirty="0"/>
-              <a:t>29/12/2022</a:t>
+              <a:t>15/01/2022</a:t>
             </a:r>
           </a:p>
           <a:p>
@@ -9387,6 +9388,287 @@
 </file>
 
 <file path=ppt/slides/slide10.xml><?xml version="1.0" encoding="utf-8"?>
+<p:sld xmlns:a="http://schemas.openxmlformats.org/drawingml/2006/main" xmlns:r="http://schemas.openxmlformats.org/officeDocument/2006/relationships" xmlns:p="http://schemas.openxmlformats.org/presentationml/2006/main">
+  <p:cSld>
+    <p:spTree>
+      <p:nvGrpSpPr>
+        <p:cNvPr id="1" name=""/>
+        <p:cNvGrpSpPr/>
+        <p:nvPr/>
+      </p:nvGrpSpPr>
+      <p:grpSpPr>
+        <a:xfrm>
+          <a:off x="0" y="0"/>
+          <a:ext cx="0" cy="0"/>
+          <a:chOff x="0" y="0"/>
+          <a:chExt cx="0" cy="0"/>
+        </a:xfrm>
+      </p:grpSpPr>
+      <p:sp>
+        <p:nvSpPr>
+          <p:cNvPr id="9" name="CuadroTexto 8">
+            <a:extLst>
+              <a:ext uri="{FF2B5EF4-FFF2-40B4-BE49-F238E27FC236}">
+                <a16:creationId xmlns:a16="http://schemas.microsoft.com/office/drawing/2014/main" id="{31288D34-332F-4D3E-BCC3-88902E096DE7}"/>
+              </a:ext>
+            </a:extLst>
+          </p:cNvPr>
+          <p:cNvSpPr txBox="1"/>
+          <p:nvPr/>
+        </p:nvSpPr>
+        <p:spPr>
+          <a:xfrm>
+            <a:off x="365125" y="284859"/>
+            <a:ext cx="4140199" cy="523220"/>
+          </a:xfrm>
+          <a:prstGeom prst="rect">
+            <a:avLst/>
+          </a:prstGeom>
+          <a:noFill/>
+        </p:spPr>
+        <p:txBody>
+          <a:bodyPr wrap="square">
+            <a:spAutoFit/>
+          </a:bodyPr>
+          <a:lstStyle/>
+          <a:p>
+            <a:pPr marL="0" marR="0" lvl="0" indent="0" defTabSz="914400" rtl="0" eaLnBrk="0" fontAlgn="base" latinLnBrk="0" hangingPunct="0">
+              <a:lnSpc>
+                <a:spcPct val="100000"/>
+              </a:lnSpc>
+              <a:spcBef>
+                <a:spcPct val="0"/>
+              </a:spcBef>
+              <a:spcAft>
+                <a:spcPct val="0"/>
+              </a:spcAft>
+              <a:buClrTx/>
+              <a:buSzTx/>
+              <a:buFontTx/>
+              <a:buNone/>
+              <a:tabLst/>
+            </a:pPr>
+            <a:r>
+              <a:rPr lang="es-PE" altLang="es-ES" sz="2800" b="1" dirty="0">
+                <a:latin typeface="Roboto" panose="02000000000000000000" pitchFamily="2" charset="0"/>
+              </a:rPr>
+              <a:t>C</a:t>
+            </a:r>
+            <a:r>
+              <a:rPr lang="es-ES" altLang="es-ES" sz="2800" b="1" dirty="0">
+                <a:latin typeface="Roboto" panose="02000000000000000000" pitchFamily="2" charset="0"/>
+              </a:rPr>
+              <a:t>onclusiones</a:t>
+            </a:r>
+            <a:endParaRPr kumimoji="0" lang="es-ES" altLang="es-ES" sz="2800" b="1" i="0" u="none" strike="noStrike" cap="none" normalizeH="0" baseline="0" dirty="0">
+              <a:ln>
+                <a:noFill/>
+              </a:ln>
+              <a:effectLst/>
+              <a:latin typeface="Roboto" panose="02000000000000000000" pitchFamily="2" charset="0"/>
+            </a:endParaRPr>
+          </a:p>
+        </p:txBody>
+      </p:sp>
+      <p:sp>
+        <p:nvSpPr>
+          <p:cNvPr id="10" name="CuadroTexto 9">
+            <a:extLst>
+              <a:ext uri="{FF2B5EF4-FFF2-40B4-BE49-F238E27FC236}">
+                <a16:creationId xmlns:a16="http://schemas.microsoft.com/office/drawing/2014/main" id="{B8179C78-3C76-4739-BA80-851DB4E3B882}"/>
+              </a:ext>
+            </a:extLst>
+          </p:cNvPr>
+          <p:cNvSpPr txBox="1"/>
+          <p:nvPr/>
+        </p:nvSpPr>
+        <p:spPr>
+          <a:xfrm>
+            <a:off x="497840" y="1363622"/>
+            <a:ext cx="11196320" cy="4524315"/>
+          </a:xfrm>
+          <a:prstGeom prst="rect">
+            <a:avLst/>
+          </a:prstGeom>
+          <a:noFill/>
+          <a:ln w="12700">
+            <a:noFill/>
+          </a:ln>
+        </p:spPr>
+        <p:txBody>
+          <a:bodyPr wrap="square">
+            <a:spAutoFit/>
+          </a:bodyPr>
+          <a:lstStyle/>
+          <a:p>
+            <a:pPr marL="342900" indent="-342900">
+              <a:buFont typeface="Arial" panose="020B0604020202020204" pitchFamily="34" charset="0"/>
+              <a:buChar char="•"/>
+            </a:pPr>
+            <a:r>
+              <a:rPr lang="es-ES" dirty="0"/>
+              <a:t>Las data trabajada cuenta con 2000 observaciones y 21 características de tipo numérico y no presenta duplicados en filas o en columnas, ni valores nulos.</a:t>
+            </a:r>
+          </a:p>
+          <a:p>
+            <a:pPr marL="342900" indent="-342900">
+              <a:buFont typeface="Arial" panose="020B0604020202020204" pitchFamily="34" charset="0"/>
+              <a:buChar char="•"/>
+            </a:pPr>
+            <a:endParaRPr lang="es-ES" dirty="0"/>
+          </a:p>
+          <a:p>
+            <a:pPr marL="342900" indent="-342900">
+              <a:buFont typeface="Arial" panose="020B0604020202020204" pitchFamily="34" charset="0"/>
+              <a:buChar char="•"/>
+            </a:pPr>
+            <a:r>
+              <a:rPr lang="es-ES" dirty="0"/>
+              <a:t>La variable objetivo “Rango de Precios”, esta compuesta por cuatro grupos enumerados del 0 al 3 y contiene información balanceada para cada uno de estos cuatro grupos con 500 observaciones para cada uno.</a:t>
+            </a:r>
+          </a:p>
+          <a:p>
+            <a:pPr marL="342900" indent="-342900">
+              <a:buFont typeface="Arial" panose="020B0604020202020204" pitchFamily="34" charset="0"/>
+              <a:buChar char="•"/>
+            </a:pPr>
+            <a:endParaRPr lang="es-ES" dirty="0"/>
+          </a:p>
+          <a:p>
+            <a:pPr marL="342900" indent="-342900">
+              <a:buFont typeface="Arial" panose="020B0604020202020204" pitchFamily="34" charset="0"/>
+              <a:buChar char="•"/>
+            </a:pPr>
+            <a:r>
+              <a:rPr lang="es-ES" dirty="0"/>
+              <a:t>De las otras 20 categorías, algunas tienen una distribución de frecuencia normal indicando una  simetría entre valores respecto a la media y otras sesgada hacia la derecha con valores predominantemente por encima de la media. De estas 20 categorías 6 son binarias que representan un tiene o no tiene la característica.</a:t>
+            </a:r>
+          </a:p>
+          <a:p>
+            <a:pPr marL="342900" indent="-342900">
+              <a:buFont typeface="Arial" panose="020B0604020202020204" pitchFamily="34" charset="0"/>
+              <a:buChar char="•"/>
+            </a:pPr>
+            <a:endParaRPr lang="es-ES" dirty="0"/>
+          </a:p>
+          <a:p>
+            <a:pPr marL="342900" indent="-342900">
+              <a:buFont typeface="Arial" panose="020B0604020202020204" pitchFamily="34" charset="0"/>
+              <a:buChar char="•"/>
+            </a:pPr>
+            <a:r>
+              <a:rPr lang="es-ES" dirty="0"/>
+              <a:t>El Mapa de Calor mostró once categorías que guardan alguna correlación entre ellas, destacando la relación muy alta la variable de Memoria RAM (</a:t>
+            </a:r>
+            <a:r>
+              <a:rPr lang="es-ES" dirty="0" err="1"/>
+              <a:t>ram</a:t>
+            </a:r>
+            <a:r>
+              <a:rPr lang="es-ES" dirty="0"/>
+              <a:t>) y el vector objetivo Rango de Precios (</a:t>
+            </a:r>
+            <a:r>
+              <a:rPr lang="es-ES" dirty="0" err="1"/>
+              <a:t>price_range</a:t>
+            </a:r>
+            <a:r>
+              <a:rPr lang="es-ES" dirty="0"/>
+              <a:t>), lo cual parece indicar que la cantidad de memoria </a:t>
+            </a:r>
+            <a:r>
+              <a:rPr lang="es-ES" dirty="0" err="1"/>
+              <a:t>ram</a:t>
+            </a:r>
+            <a:r>
+              <a:rPr lang="es-ES" dirty="0"/>
+              <a:t> tiene mucha incidencia en el rango de precios.</a:t>
+            </a:r>
+          </a:p>
+          <a:p>
+            <a:pPr marL="342900" indent="-342900">
+              <a:buFont typeface="Arial" panose="020B0604020202020204" pitchFamily="34" charset="0"/>
+              <a:buChar char="•"/>
+            </a:pPr>
+            <a:endParaRPr lang="es-ES" dirty="0"/>
+          </a:p>
+          <a:p>
+            <a:pPr marL="342900" indent="-342900">
+              <a:buFont typeface="Arial" panose="020B0604020202020204" pitchFamily="34" charset="0"/>
+              <a:buChar char="•"/>
+            </a:pPr>
+            <a:r>
+              <a:rPr lang="es-ES" dirty="0"/>
+              <a:t>Se han visualizado todas las características que guardan una correlación y dado su existencia, se trabajara con todas esas características, eliminando todas aquella que no han presentado correlación alguna.</a:t>
+            </a:r>
+          </a:p>
+        </p:txBody>
+      </p:sp>
+      <p:cxnSp>
+        <p:nvCxnSpPr>
+          <p:cNvPr id="3" name="Conector recto 2">
+            <a:extLst>
+              <a:ext uri="{FF2B5EF4-FFF2-40B4-BE49-F238E27FC236}">
+                <a16:creationId xmlns:a16="http://schemas.microsoft.com/office/drawing/2014/main" id="{5E9922BB-210F-45FC-A99E-617448356742}"/>
+              </a:ext>
+            </a:extLst>
+          </p:cNvPr>
+          <p:cNvCxnSpPr>
+            <a:cxnSpLocks/>
+          </p:cNvCxnSpPr>
+          <p:nvPr/>
+        </p:nvCxnSpPr>
+        <p:spPr>
+          <a:xfrm>
+            <a:off x="-26980" y="1085850"/>
+            <a:ext cx="12218980" cy="0"/>
+          </a:xfrm>
+          <a:prstGeom prst="line">
+            <a:avLst/>
+          </a:prstGeom>
+          <a:ln>
+            <a:solidFill>
+              <a:srgbClr val="C00000"/>
+            </a:solidFill>
+          </a:ln>
+        </p:spPr>
+        <p:style>
+          <a:lnRef idx="3">
+            <a:schemeClr val="accent5"/>
+          </a:lnRef>
+          <a:fillRef idx="0">
+            <a:schemeClr val="accent5"/>
+          </a:fillRef>
+          <a:effectRef idx="2">
+            <a:schemeClr val="accent5"/>
+          </a:effectRef>
+          <a:fontRef idx="minor">
+            <a:schemeClr val="tx1"/>
+          </a:fontRef>
+        </p:style>
+      </p:cxnSp>
+    </p:spTree>
+    <p:extLst>
+      <p:ext uri="{BB962C8B-B14F-4D97-AF65-F5344CB8AC3E}">
+        <p14:creationId xmlns:p14="http://schemas.microsoft.com/office/powerpoint/2010/main" val="2347846744"/>
+      </p:ext>
+    </p:extLst>
+  </p:cSld>
+  <p:clrMapOvr>
+    <a:masterClrMapping/>
+  </p:clrMapOvr>
+  <mc:AlternateContent xmlns:mc="http://schemas.openxmlformats.org/markup-compatibility/2006" xmlns:p14="http://schemas.microsoft.com/office/powerpoint/2010/main">
+    <mc:Choice Requires="p14">
+      <p:transition spd="slow" p14:dur="2000" advTm="35321"/>
+    </mc:Choice>
+    <mc:Fallback xmlns="">
+      <p:transition spd="slow" advTm="35321"/>
+    </mc:Fallback>
+  </mc:AlternateContent>
+</p:sld>
+</file>
+
+<file path=ppt/slides/slide11.xml><?xml version="1.0" encoding="utf-8"?>
 <p:sld xmlns:a="http://schemas.openxmlformats.org/drawingml/2006/main" xmlns:r="http://schemas.openxmlformats.org/officeDocument/2006/relationships" xmlns:p="http://schemas.openxmlformats.org/presentationml/2006/main">
   <p:cSld>
     <p:spTree>
@@ -9965,27 +10247,7 @@
                 <a:latin typeface="Calibri" panose="020F0502020204030204" pitchFamily="34" charset="0"/>
                 <a:cs typeface="Calibri" panose="020F0502020204030204" pitchFamily="34" charset="0"/>
               </a:rPr>
-              <a:t>El fabricante  no sabe como estimar el precio de los móviles y quiere averiguar alguna relación entre las funciones de un teléfono móvil y su precio de venta para lo cual requiere de la confección de un modelo </a:t>
-            </a:r>
-            <a:r>
-              <a:rPr lang="es-ES" sz="2400" dirty="0" err="1">
-                <a:solidFill>
-                  <a:srgbClr val="212121"/>
-                </a:solidFill>
-                <a:latin typeface="Calibri" panose="020F0502020204030204" pitchFamily="34" charset="0"/>
-                <a:cs typeface="Calibri" panose="020F0502020204030204" pitchFamily="34" charset="0"/>
-              </a:rPr>
-              <a:t>modelo</a:t>
-            </a:r>
-            <a:r>
-              <a:rPr lang="es-ES" sz="2400" dirty="0">
-                <a:solidFill>
-                  <a:srgbClr val="212121"/>
-                </a:solidFill>
-                <a:latin typeface="Calibri" panose="020F0502020204030204" pitchFamily="34" charset="0"/>
-                <a:cs typeface="Calibri" panose="020F0502020204030204" pitchFamily="34" charset="0"/>
-              </a:rPr>
-              <a:t> de Aprendizaje  que le permita clasificar en un rango de cuatro clases, que tan alto es el precio.</a:t>
+              <a:t>El fabricante  no sabe como estimar el precio de los móviles y quiere averiguar alguna relación entre las funciones de un teléfono móvil y su precio de venta para lo cual requiere de la confección de un modelo de aprendizaje  que le permita clasificar en un rango de cuatro clases, que tan alto es el precio.</a:t>
             </a:r>
           </a:p>
           <a:p>
@@ -10500,12 +10762,18 @@
             </a:pPr>
             <a:r>
               <a:rPr lang="es-PE" altLang="es-ES" sz="2800" b="1" dirty="0">
+                <a:solidFill>
+                  <a:srgbClr val="D5745D"/>
+                </a:solidFill>
                 <a:latin typeface="Roboto" panose="02000000000000000000" pitchFamily="2" charset="0"/>
               </a:rPr>
               <a:t>A</a:t>
             </a:r>
             <a:r>
               <a:rPr lang="es-ES" altLang="es-ES" sz="2800" b="1" dirty="0">
+                <a:solidFill>
+                  <a:srgbClr val="D5745D"/>
+                </a:solidFill>
                 <a:latin typeface="Roboto" panose="02000000000000000000" pitchFamily="2" charset="0"/>
               </a:rPr>
               <a:t>nálisis Exploratorio</a:t>
@@ -10514,6 +10782,9 @@
               <a:ln>
                 <a:noFill/>
               </a:ln>
+              <a:solidFill>
+                <a:srgbClr val="D5745D"/>
+              </a:solidFill>
               <a:effectLst/>
               <a:latin typeface="Roboto" panose="02000000000000000000" pitchFamily="2" charset="0"/>
             </a:endParaRPr>
@@ -10575,17 +10846,11 @@
           <p:cNvGraphicFramePr>
             <a:graphicFrameLocks noGrp="1"/>
           </p:cNvGraphicFramePr>
-          <p:nvPr>
-            <p:extLst>
-              <p:ext uri="{D42A27DB-BD31-4B8C-83A1-F6EECF244321}">
-                <p14:modId xmlns:p14="http://schemas.microsoft.com/office/powerpoint/2010/main" val="1610479727"/>
-              </p:ext>
-            </p:extLst>
-          </p:nvPr>
+          <p:nvPr/>
         </p:nvGraphicFramePr>
         <p:xfrm>
-          <a:off x="3982720" y="1555339"/>
-          <a:ext cx="7193280" cy="4723969"/>
+          <a:off x="4815840" y="1259837"/>
+          <a:ext cx="7193280" cy="4880203"/>
         </p:xfrm>
         <a:graphic>
           <a:graphicData uri="http://schemas.openxmlformats.org/drawingml/2006/table">
@@ -10594,14 +10859,14 @@
                 <a:tableStyleId>{5940675A-B579-460E-94D1-54222C63F5DA}</a:tableStyleId>
               </a:tblPr>
               <a:tblGrid>
-                <a:gridCol w="3973098">
+                <a:gridCol w="3586480">
                   <a:extLst>
                     <a:ext uri="{9D8B030D-6E8A-4147-A177-3AD203B41FA5}">
                       <a16:colId xmlns:a16="http://schemas.microsoft.com/office/drawing/2014/main" val="314110616"/>
                     </a:ext>
                   </a:extLst>
                 </a:gridCol>
-                <a:gridCol w="3220182">
+                <a:gridCol w="3606800">
                   <a:extLst>
                     <a:ext uri="{9D8B030D-6E8A-4147-A177-3AD203B41FA5}">
                       <a16:colId xmlns:a16="http://schemas.microsoft.com/office/drawing/2014/main" val="456140358"/>
@@ -10617,14 +10882,14 @@
                     <a:p>
                       <a:pPr algn="ctr"/>
                       <a:r>
-                        <a:rPr lang="es-PE" sz="2400" dirty="0">
+                        <a:rPr lang="es-PE" sz="2000" dirty="0">
                           <a:solidFill>
                             <a:schemeClr val="bg1"/>
                           </a:solidFill>
                         </a:rPr>
                         <a:t>Detalle de la Exploración</a:t>
                       </a:r>
-                      <a:endParaRPr lang="es-ES" sz="2400" dirty="0">
+                      <a:endParaRPr lang="es-ES" sz="2000" dirty="0">
                         <a:solidFill>
                           <a:schemeClr val="bg1"/>
                         </a:solidFill>
@@ -10644,14 +10909,14 @@
                     <a:p>
                       <a:pPr algn="ctr"/>
                       <a:r>
-                        <a:rPr lang="es-PE" sz="2400" dirty="0">
+                        <a:rPr lang="es-PE" sz="2000" dirty="0">
                           <a:solidFill>
                             <a:schemeClr val="bg1"/>
                           </a:solidFill>
                         </a:rPr>
-                        <a:t>Códigos Python Utilizados</a:t>
+                        <a:t>Referencia</a:t>
                       </a:r>
-                      <a:endParaRPr lang="es-ES" sz="2400" dirty="0">
+                      <a:endParaRPr lang="es-ES" sz="2000" dirty="0">
                         <a:solidFill>
                           <a:schemeClr val="bg1"/>
                         </a:solidFill>
@@ -10691,13 +10956,12 @@
                     <a:lstStyle/>
                     <a:p>
                       <a:r>
-                        <a:rPr lang="es-PE" sz="1800" dirty="0" err="1"/>
-                        <a:t>df.columns.duplicated</a:t>
+                        <a:rPr lang="es-PE" sz="1200" dirty="0">
+                          <a:hlinkClick r:id="rId2"/>
+                        </a:rPr>
+                        <a:t>https://pandas.pydata.org/docs/reference/api/pandas.DataFrame.duplicated.html</a:t>
                       </a:r>
-                      <a:r>
-                        <a:rPr lang="es-PE" sz="1800" dirty="0"/>
-                        <a:t>()</a:t>
-                      </a:r>
+                      <a:endParaRPr lang="es-PE" sz="1200" dirty="0"/>
                     </a:p>
                   </a:txBody>
                   <a:tcPr/>
@@ -10746,14 +11010,12 @@
                         <a:defRPr/>
                       </a:pPr>
                       <a:r>
-                        <a:rPr lang="es-PE" sz="1800" dirty="0" err="1"/>
-                        <a:t>df.duplicated</a:t>
+                        <a:rPr lang="es-PE" sz="1200" dirty="0">
+                          <a:hlinkClick r:id="rId2"/>
+                        </a:rPr>
+                        <a:t>https://pandas.pydata.org/docs/reference/api/pandas.DataFrame.duplicated.html</a:t>
                       </a:r>
-                      <a:r>
-                        <a:rPr lang="es-PE" sz="1800" dirty="0"/>
-                        <a:t>().sum()</a:t>
-                      </a:r>
-                      <a:endParaRPr lang="es-ES" sz="1800" dirty="0"/>
+                      <a:endParaRPr lang="es-PE" sz="1200" dirty="0"/>
                     </a:p>
                   </a:txBody>
                   <a:tcPr/>
@@ -10785,10 +11047,12 @@
                     <a:lstStyle/>
                     <a:p>
                       <a:r>
-                        <a:rPr lang="es-PE" sz="1800" dirty="0"/>
-                        <a:t>df.info()</a:t>
+                        <a:rPr lang="es-PE" sz="1200" dirty="0">
+                          <a:hlinkClick r:id="rId3"/>
+                        </a:rPr>
+                        <a:t>https://pandas.pydata.org/docs/reference/api/pandas.DataFrame.info.html</a:t>
                       </a:r>
-                      <a:endParaRPr lang="es-ES" sz="1800" dirty="0"/>
+                      <a:endParaRPr lang="es-PE" sz="1200" dirty="0"/>
                     </a:p>
                   </a:txBody>
                   <a:tcPr/>
@@ -10821,96 +11085,48 @@
                     <a:p>
                       <a:pPr marL="0" algn="l" defTabSz="914400" rtl="0" eaLnBrk="1" latinLnBrk="0" hangingPunct="1"/>
                       <a:r>
-                        <a:rPr lang="es-ES" sz="1800" kern="1200" dirty="0" err="1">
+                        <a:rPr lang="es-ES" sz="1200" kern="1200" dirty="0">
                           <a:solidFill>
                             <a:schemeClr val="tx1"/>
                           </a:solidFill>
                           <a:latin typeface="+mn-lt"/>
                           <a:ea typeface="+mn-ea"/>
                           <a:cs typeface="+mn-cs"/>
+                          <a:hlinkClick r:id="rId4"/>
                         </a:rPr>
-                        <a:t>df</a:t>
+                        <a:t>https://pandas.pydata.org/docs/reference/api/pandas.unique.html</a:t>
                       </a:r>
+                      <a:endParaRPr lang="es-ES" sz="1200" kern="1200" dirty="0">
+                        <a:solidFill>
+                          <a:schemeClr val="tx1"/>
+                        </a:solidFill>
+                        <a:latin typeface="+mn-lt"/>
+                        <a:ea typeface="+mn-ea"/>
+                        <a:cs typeface="+mn-cs"/>
+                      </a:endParaRPr>
+                    </a:p>
+                    <a:p>
+                      <a:pPr marL="0" algn="l" defTabSz="914400" rtl="0" eaLnBrk="1" latinLnBrk="0" hangingPunct="1"/>
                       <a:r>
-                        <a:rPr lang="es-ES" sz="1800" kern="1200" dirty="0">
+                        <a:rPr lang="es-ES" sz="1200" kern="1200" dirty="0">
                           <a:solidFill>
                             <a:schemeClr val="tx1"/>
                           </a:solidFill>
                           <a:latin typeface="+mn-lt"/>
                           <a:ea typeface="+mn-ea"/>
                           <a:cs typeface="+mn-cs"/>
+                          <a:hlinkClick r:id="rId5"/>
                         </a:rPr>
-                        <a:t>[característica].</a:t>
+                        <a:t>https://pandas.pydata.org/docs/reference/api/pandas.Series.value_counts.html</a:t>
                       </a:r>
-                      <a:r>
-                        <a:rPr lang="es-ES" sz="1800" kern="1200" dirty="0" err="1">
-                          <a:solidFill>
-                            <a:schemeClr val="tx1"/>
-                          </a:solidFill>
-                          <a:latin typeface="+mn-lt"/>
-                          <a:ea typeface="+mn-ea"/>
-                          <a:cs typeface="+mn-cs"/>
-                        </a:rPr>
-                        <a:t>unique</a:t>
-                      </a:r>
-                      <a:r>
-                        <a:rPr lang="es-ES" sz="1800" kern="1200" dirty="0">
-                          <a:solidFill>
-                            <a:schemeClr val="tx1"/>
-                          </a:solidFill>
-                          <a:latin typeface="+mn-lt"/>
-                          <a:ea typeface="+mn-ea"/>
-                          <a:cs typeface="+mn-cs"/>
-                        </a:rPr>
-                        <a:t>()</a:t>
-                      </a:r>
-                    </a:p>
-                    <a:p>
-                      <a:pPr marL="0" algn="l" defTabSz="914400" rtl="0" eaLnBrk="1" latinLnBrk="0" hangingPunct="1"/>
-                      <a:r>
-                        <a:rPr lang="es-ES" sz="1800" kern="1200" dirty="0" err="1">
-                          <a:solidFill>
-                            <a:schemeClr val="tx1"/>
-                          </a:solidFill>
-                          <a:latin typeface="+mn-lt"/>
-                          <a:ea typeface="+mn-ea"/>
-                          <a:cs typeface="+mn-cs"/>
-                        </a:rPr>
-                        <a:t>df</a:t>
-                      </a:r>
-                      <a:r>
-                        <a:rPr lang="es-ES" sz="1800" kern="1200" dirty="0">
-                          <a:solidFill>
-                            <a:schemeClr val="tx1"/>
-                          </a:solidFill>
-                          <a:latin typeface="+mn-lt"/>
-                          <a:ea typeface="+mn-ea"/>
-                          <a:cs typeface="+mn-cs"/>
-                        </a:rPr>
-                        <a:t>[característica].</a:t>
-                      </a:r>
-                      <a:r>
-                        <a:rPr lang="es-ES" sz="1800" kern="1200" dirty="0" err="1">
-                          <a:solidFill>
-                            <a:schemeClr val="tx1"/>
-                          </a:solidFill>
-                          <a:latin typeface="+mn-lt"/>
-                          <a:ea typeface="+mn-ea"/>
-                          <a:cs typeface="+mn-cs"/>
-                        </a:rPr>
-                        <a:t>value_counts</a:t>
-                      </a:r>
-                      <a:r>
-                        <a:rPr lang="es-ES" sz="1800" kern="1200" dirty="0">
-                          <a:solidFill>
-                            <a:schemeClr val="tx1"/>
-                          </a:solidFill>
-                          <a:latin typeface="+mn-lt"/>
-                          <a:ea typeface="+mn-ea"/>
-                          <a:cs typeface="+mn-cs"/>
-                        </a:rPr>
-                        <a:t>()</a:t>
-                      </a:r>
+                      <a:endParaRPr lang="es-ES" sz="1200" kern="1200" dirty="0">
+                        <a:solidFill>
+                          <a:schemeClr val="tx1"/>
+                        </a:solidFill>
+                        <a:latin typeface="+mn-lt"/>
+                        <a:ea typeface="+mn-ea"/>
+                        <a:cs typeface="+mn-cs"/>
+                      </a:endParaRPr>
                     </a:p>
                   </a:txBody>
                   <a:tcPr/>
@@ -10929,7 +11145,7 @@
                     <a:p>
                       <a:r>
                         <a:rPr lang="es-PE" sz="1800" dirty="0"/>
-                        <a:t>Visualizaciones</a:t>
+                        <a:t>Visualizaciones:</a:t>
                       </a:r>
                     </a:p>
                     <a:p>
@@ -10950,6 +11166,16 @@
                       <a:r>
                         <a:rPr lang="es-PE" sz="1800" dirty="0"/>
                         <a:t>Histogramas</a:t>
+                      </a:r>
+                    </a:p>
+                    <a:p>
+                      <a:pPr marL="285750" indent="-285750">
+                        <a:buFontTx/>
+                        <a:buChar char="-"/>
+                      </a:pPr>
+                      <a:r>
+                        <a:rPr lang="es-PE" sz="1800" dirty="0"/>
+                        <a:t>Boxplot</a:t>
                       </a:r>
                     </a:p>
                     <a:p>
@@ -10998,7 +11224,19 @@
                     <a:lstStyle/>
                     <a:p>
                       <a:pPr marL="0" algn="l" defTabSz="914400" rtl="0" eaLnBrk="1" latinLnBrk="0" hangingPunct="1"/>
-                      <a:endParaRPr lang="pt-BR" sz="1800" b="0" dirty="0">
+                      <a:r>
+                        <a:rPr lang="pt-BR" sz="1200" b="0" dirty="0">
+                          <a:solidFill>
+                            <a:srgbClr val="000000"/>
+                          </a:solidFill>
+                          <a:effectLst/>
+                          <a:latin typeface="Calibri" panose="020F0502020204030204" pitchFamily="34" charset="0"/>
+                          <a:cs typeface="Calibri" panose="020F0502020204030204" pitchFamily="34" charset="0"/>
+                          <a:hlinkClick r:id="rId6"/>
+                        </a:rPr>
+                        <a:t>https://matplotlib.org/stable/api/_as_gen/matplotlib.pyplot.pie.html</a:t>
+                      </a:r>
+                      <a:endParaRPr lang="pt-BR" sz="1200" b="0" dirty="0">
                         <a:solidFill>
                           <a:srgbClr val="000000"/>
                         </a:solidFill>
@@ -11010,17 +11248,41 @@
                     <a:p>
                       <a:pPr marL="0" algn="l" defTabSz="914400" rtl="0" eaLnBrk="1" latinLnBrk="0" hangingPunct="1"/>
                       <a:r>
-                        <a:rPr lang="pt-BR" sz="1800" b="0" dirty="0">
+                        <a:rPr lang="en-US" sz="1200" b="0" dirty="0">
                           <a:solidFill>
                             <a:srgbClr val="000000"/>
                           </a:solidFill>
                           <a:effectLst/>
                           <a:latin typeface="Calibri" panose="020F0502020204030204" pitchFamily="34" charset="0"/>
                           <a:cs typeface="Calibri" panose="020F0502020204030204" pitchFamily="34" charset="0"/>
+                          <a:hlinkClick r:id="rId7"/>
                         </a:rPr>
-                        <a:t>ax1.pie()</a:t>
+                        <a:t>https://pandas.pydata.org/docs/reference/api/pandas.DataFrame.hist.html</a:t>
                       </a:r>
-                      <a:endParaRPr lang="es-ES" sz="1800" kern="1200" dirty="0">
+                      <a:endParaRPr lang="en-US" sz="1200" b="0" dirty="0">
+                        <a:solidFill>
+                          <a:srgbClr val="000000"/>
+                        </a:solidFill>
+                        <a:effectLst/>
+                        <a:latin typeface="Calibri" panose="020F0502020204030204" pitchFamily="34" charset="0"/>
+                        <a:cs typeface="Calibri" panose="020F0502020204030204" pitchFamily="34" charset="0"/>
+                      </a:endParaRPr>
+                    </a:p>
+                    <a:p>
+                      <a:pPr marL="0" algn="l" defTabSz="914400" rtl="0" eaLnBrk="1" latinLnBrk="0" hangingPunct="1"/>
+                      <a:r>
+                        <a:rPr lang="es-ES" sz="1200" kern="1200" dirty="0">
+                          <a:solidFill>
+                            <a:schemeClr val="tx1"/>
+                          </a:solidFill>
+                          <a:latin typeface="+mn-lt"/>
+                          <a:ea typeface="+mn-ea"/>
+                          <a:cs typeface="+mn-cs"/>
+                          <a:hlinkClick r:id="rId8"/>
+                        </a:rPr>
+                        <a:t>https://pandas.pydata.org/docs/reference/api/pandas.DataFrame.boxplot.html</a:t>
+                      </a:r>
+                      <a:endParaRPr lang="es-ES" sz="1200" kern="1200" dirty="0">
                         <a:solidFill>
                           <a:schemeClr val="tx1"/>
                         </a:solidFill>
@@ -11032,140 +11294,71 @@
                     <a:p>
                       <a:pPr marL="0" algn="l" defTabSz="914400" rtl="0" eaLnBrk="1" latinLnBrk="0" hangingPunct="1"/>
                       <a:r>
-                        <a:rPr lang="en-US" sz="1800" b="0" dirty="0" err="1">
-                          <a:solidFill>
-                            <a:srgbClr val="000000"/>
-                          </a:solidFill>
-                          <a:effectLst/>
-                          <a:latin typeface="Calibri" panose="020F0502020204030204" pitchFamily="34" charset="0"/>
-                          <a:cs typeface="Calibri" panose="020F0502020204030204" pitchFamily="34" charset="0"/>
-                        </a:rPr>
-                        <a:t>df.loc</a:t>
-                      </a:r>
-                      <a:r>
-                        <a:rPr lang="en-US" sz="1800" b="0" dirty="0">
-                          <a:solidFill>
-                            <a:srgbClr val="000000"/>
-                          </a:solidFill>
-                          <a:effectLst/>
-                          <a:latin typeface="Calibri" panose="020F0502020204030204" pitchFamily="34" charset="0"/>
-                          <a:cs typeface="Calibri" panose="020F0502020204030204" pitchFamily="34" charset="0"/>
-                        </a:rPr>
-                        <a:t>[:, </a:t>
-                      </a:r>
-                      <a:r>
-                        <a:rPr lang="es-ES" sz="1800" kern="1200" dirty="0">
+                        <a:rPr lang="es-ES" sz="1200" kern="1200" dirty="0">
                           <a:solidFill>
                             <a:schemeClr val="tx1"/>
                           </a:solidFill>
                           <a:latin typeface="+mn-lt"/>
                           <a:ea typeface="+mn-ea"/>
                           <a:cs typeface="+mn-cs"/>
+                          <a:hlinkClick r:id="rId9"/>
                         </a:rPr>
-                        <a:t>característica</a:t>
+                        <a:t>https://matplotlib.org/stable/api/_as_gen/matplotlib.pyplot.bar.html</a:t>
                       </a:r>
-                      <a:r>
-                        <a:rPr lang="en-US" sz="1800" b="0" dirty="0">
-                          <a:solidFill>
-                            <a:srgbClr val="000000"/>
-                          </a:solidFill>
-                          <a:effectLst/>
-                          <a:latin typeface="Calibri" panose="020F0502020204030204" pitchFamily="34" charset="0"/>
-                          <a:cs typeface="Calibri" panose="020F0502020204030204" pitchFamily="34" charset="0"/>
-                        </a:rPr>
-                        <a:t>]].hist()</a:t>
-                      </a:r>
+                      <a:endParaRPr lang="es-ES" sz="1200" kern="1200" dirty="0">
+                        <a:solidFill>
+                          <a:schemeClr val="tx1"/>
+                        </a:solidFill>
+                        <a:latin typeface="+mn-lt"/>
+                        <a:ea typeface="+mn-ea"/>
+                        <a:cs typeface="+mn-cs"/>
+                      </a:endParaRPr>
                     </a:p>
                     <a:p>
                       <a:pPr marL="0" algn="l" defTabSz="914400" rtl="0" eaLnBrk="1" latinLnBrk="0" hangingPunct="1"/>
                       <a:r>
-                        <a:rPr lang="es-ES" sz="1800" kern="1200" dirty="0" err="1">
+                        <a:rPr lang="es-ES" sz="1200" kern="1200" dirty="0">
                           <a:solidFill>
                             <a:schemeClr val="tx1"/>
                           </a:solidFill>
                           <a:latin typeface="+mn-lt"/>
                           <a:ea typeface="+mn-ea"/>
                           <a:cs typeface="+mn-cs"/>
+                          <a:hlinkClick r:id="rId10"/>
                         </a:rPr>
-                        <a:t>Plt.bar</a:t>
+                        <a:t>https://seaborn.pydata.org/generated/seaborn.heatmap.html</a:t>
                       </a:r>
+                      <a:endParaRPr lang="es-ES" sz="1200" kern="1200" dirty="0">
+                        <a:solidFill>
+                          <a:schemeClr val="tx1"/>
+                        </a:solidFill>
+                        <a:latin typeface="+mn-lt"/>
+                        <a:ea typeface="+mn-ea"/>
+                        <a:cs typeface="+mn-cs"/>
+                      </a:endParaRPr>
+                    </a:p>
+                    <a:p>
+                      <a:pPr marL="0" algn="l" defTabSz="914400" rtl="0" eaLnBrk="1" latinLnBrk="0" hangingPunct="1"/>
                       <a:r>
-                        <a:rPr lang="es-ES" sz="1800" kern="1200" dirty="0">
+                        <a:rPr lang="es-ES" sz="1200" kern="1200" dirty="0">
                           <a:solidFill>
                             <a:schemeClr val="tx1"/>
                           </a:solidFill>
                           <a:latin typeface="+mn-lt"/>
                           <a:ea typeface="+mn-ea"/>
                           <a:cs typeface="+mn-cs"/>
+                          <a:hlinkClick r:id="rId11"/>
                         </a:rPr>
-                        <a:t>()</a:t>
+                        <a:t>https://seaborn.pydata.org/generated/seaborn.scatterplot.html</a:t>
                       </a:r>
-                    </a:p>
-                    <a:p>
-                      <a:pPr marL="0" algn="l" defTabSz="914400" rtl="0" eaLnBrk="1" latinLnBrk="0" hangingPunct="1"/>
-                      <a:r>
-                        <a:rPr lang="es-ES" sz="1800" kern="1200" dirty="0" err="1">
-                          <a:solidFill>
-                            <a:schemeClr val="tx1"/>
-                          </a:solidFill>
-                          <a:latin typeface="+mn-lt"/>
-                          <a:ea typeface="+mn-ea"/>
-                          <a:cs typeface="+mn-cs"/>
-                        </a:rPr>
-                        <a:t>sns.heatmap</a:t>
-                      </a:r>
-                      <a:r>
-                        <a:rPr lang="es-ES" sz="1800" kern="1200" dirty="0">
-                          <a:solidFill>
-                            <a:schemeClr val="tx1"/>
-                          </a:solidFill>
-                          <a:latin typeface="+mn-lt"/>
-                          <a:ea typeface="+mn-ea"/>
-                          <a:cs typeface="+mn-cs"/>
-                        </a:rPr>
-                        <a:t>()</a:t>
-                      </a:r>
-                    </a:p>
-                    <a:p>
-                      <a:pPr marL="0" marR="0" lvl="0" indent="0" algn="l" defTabSz="914400" rtl="0" eaLnBrk="1" fontAlgn="auto" latinLnBrk="0" hangingPunct="1">
-                        <a:lnSpc>
-                          <a:spcPct val="100000"/>
-                        </a:lnSpc>
-                        <a:spcBef>
-                          <a:spcPts val="0"/>
-                        </a:spcBef>
-                        <a:spcAft>
-                          <a:spcPts val="0"/>
-                        </a:spcAft>
-                        <a:buClrTx/>
-                        <a:buSzTx/>
-                        <a:buFontTx/>
-                        <a:buNone/>
-                        <a:tabLst/>
-                        <a:defRPr/>
-                      </a:pPr>
-                      <a:r>
-                        <a:rPr lang="es-ES" sz="1800" kern="1200" dirty="0" err="1">
-                          <a:solidFill>
-                            <a:schemeClr val="tx1"/>
-                          </a:solidFill>
-                          <a:latin typeface="+mn-lt"/>
-                          <a:ea typeface="+mn-ea"/>
-                          <a:cs typeface="+mn-cs"/>
-                        </a:rPr>
-                        <a:t>sns.scatterplot</a:t>
-                      </a:r>
-                      <a:r>
-                        <a:rPr lang="es-ES" sz="1800" kern="1200" dirty="0">
-                          <a:solidFill>
-                            <a:schemeClr val="tx1"/>
-                          </a:solidFill>
-                          <a:latin typeface="+mn-lt"/>
-                          <a:ea typeface="+mn-ea"/>
-                          <a:cs typeface="+mn-cs"/>
-                        </a:rPr>
-                        <a:t>()</a:t>
-                      </a:r>
+                      <a:endParaRPr lang="es-ES" sz="1200" kern="1200" dirty="0">
+                        <a:solidFill>
+                          <a:schemeClr val="tx1"/>
+                        </a:solidFill>
+                        <a:latin typeface="+mn-lt"/>
+                        <a:ea typeface="+mn-ea"/>
+                        <a:cs typeface="+mn-cs"/>
+                      </a:endParaRPr>
                     </a:p>
                   </a:txBody>
                   <a:tcPr/>
@@ -11192,17 +11385,11 @@
           <p:cNvGraphicFramePr>
             <a:graphicFrameLocks noGrp="1"/>
           </p:cNvGraphicFramePr>
-          <p:nvPr>
-            <p:extLst>
-              <p:ext uri="{D42A27DB-BD31-4B8C-83A1-F6EECF244321}">
-                <p14:modId xmlns:p14="http://schemas.microsoft.com/office/powerpoint/2010/main" val="156296596"/>
-              </p:ext>
-            </p:extLst>
-          </p:nvPr>
+          <p:nvPr/>
         </p:nvGraphicFramePr>
         <p:xfrm>
-          <a:off x="1016000" y="1555339"/>
-          <a:ext cx="2245359" cy="2198781"/>
+          <a:off x="214153" y="3563640"/>
+          <a:ext cx="4442142" cy="2576400"/>
         </p:xfrm>
         <a:graphic>
           <a:graphicData uri="http://schemas.openxmlformats.org/drawingml/2006/table">
@@ -11211,7 +11398,14 @@
                 <a:tableStyleId>{5940675A-B579-460E-94D1-54222C63F5DA}</a:tableStyleId>
               </a:tblPr>
               <a:tblGrid>
-                <a:gridCol w="2245359">
+                <a:gridCol w="1336969">
+                  <a:extLst>
+                    <a:ext uri="{9D8B030D-6E8A-4147-A177-3AD203B41FA5}">
+                      <a16:colId xmlns:a16="http://schemas.microsoft.com/office/drawing/2014/main" val="2004920435"/>
+                    </a:ext>
+                  </a:extLst>
+                </a:gridCol>
+                <a:gridCol w="3105173">
                   <a:extLst>
                     <a:ext uri="{9D8B030D-6E8A-4147-A177-3AD203B41FA5}">
                       <a16:colId xmlns:a16="http://schemas.microsoft.com/office/drawing/2014/main" val="314110616"/>
@@ -11219,7 +11413,7 @@
                   </a:extLst>
                 </a:gridCol>
               </a:tblGrid>
-              <a:tr h="345817">
+              <a:tr h="440700">
                 <a:tc>
                   <a:txBody>
                     <a:bodyPr/>
@@ -11227,12 +11421,39 @@
                     <a:p>
                       <a:pPr algn="ctr"/>
                       <a:r>
-                        <a:rPr lang="es-PE" sz="2400" dirty="0">
+                        <a:rPr lang="es-PE" sz="2000" dirty="0">
                           <a:solidFill>
                             <a:schemeClr val="bg1"/>
                           </a:solidFill>
                         </a:rPr>
-                        <a:t>Librerías Utilizadas</a:t>
+                        <a:t>Librerías</a:t>
+                      </a:r>
+                      <a:endParaRPr lang="es-ES" sz="2400" dirty="0">
+                        <a:solidFill>
+                          <a:schemeClr val="bg1"/>
+                        </a:solidFill>
+                      </a:endParaRPr>
+                    </a:p>
+                  </a:txBody>
+                  <a:tcPr>
+                    <a:solidFill>
+                      <a:srgbClr val="DD8C7F"/>
+                    </a:solidFill>
+                  </a:tcPr>
+                </a:tc>
+                <a:tc>
+                  <a:txBody>
+                    <a:bodyPr/>
+                    <a:lstStyle/>
+                    <a:p>
+                      <a:pPr algn="ctr"/>
+                      <a:r>
+                        <a:rPr lang="es-PE" sz="2000" dirty="0">
+                          <a:solidFill>
+                            <a:schemeClr val="bg1"/>
+                          </a:solidFill>
+                        </a:rPr>
+                        <a:t>Referencia</a:t>
                       </a:r>
                       <a:endParaRPr lang="es-ES" sz="2400" dirty="0">
                         <a:solidFill>
@@ -11253,53 +11474,40 @@
                   </a:ext>
                 </a:extLst>
               </a:tr>
-              <a:tr h="1375821">
+              <a:tr h="406800">
                 <a:tc>
                   <a:txBody>
                     <a:bodyPr/>
                     <a:lstStyle/>
                     <a:p>
-                      <a:pPr marL="285750" indent="-285750">
+                      <a:pPr marL="0" indent="0">
                         <a:buFontTx/>
-                        <a:buChar char="-"/>
-                      </a:pPr>
-                      <a:r>
-                        <a:rPr lang="es-PE" sz="1800" dirty="0" err="1"/>
-                        <a:t>Numpy</a:t>
-                      </a:r>
-                      <a:endParaRPr lang="es-PE" sz="1800" dirty="0"/>
-                    </a:p>
-                    <a:p>
-                      <a:pPr marL="285750" indent="-285750">
-                        <a:buFontTx/>
-                        <a:buChar char="-"/>
+                        <a:buNone/>
                       </a:pPr>
                       <a:r>
                         <a:rPr lang="es-PE" sz="1800" dirty="0"/>
-                        <a:t>Pandas</a:t>
+                        <a:t>Numpy</a:t>
                       </a:r>
                     </a:p>
+                  </a:txBody>
+                  <a:tcPr/>
+                </a:tc>
+                <a:tc>
+                  <a:txBody>
+                    <a:bodyPr/>
+                    <a:lstStyle/>
                     <a:p>
-                      <a:pPr marL="285750" indent="-285750">
+                      <a:pPr marL="0" indent="0">
                         <a:buFontTx/>
-                        <a:buChar char="-"/>
+                        <a:buNone/>
                       </a:pPr>
                       <a:r>
-                        <a:rPr lang="es-PE" sz="1800" dirty="0" err="1"/>
-                        <a:t>Matpotlib</a:t>
+                        <a:rPr lang="es-PE" sz="1200" dirty="0">
+                          <a:hlinkClick r:id="rId12"/>
+                        </a:rPr>
+                        <a:t>https://numpy.org/</a:t>
                       </a:r>
-                      <a:endParaRPr lang="es-PE" sz="1800" dirty="0"/>
-                    </a:p>
-                    <a:p>
-                      <a:pPr marL="285750" indent="-285750">
-                        <a:buFontTx/>
-                        <a:buChar char="-"/>
-                      </a:pPr>
-                      <a:r>
-                        <a:rPr lang="es-PE" sz="1800" dirty="0" err="1"/>
-                        <a:t>Seaborn</a:t>
-                      </a:r>
-                      <a:endParaRPr lang="es-PE" sz="1600" dirty="0"/>
+                      <a:endParaRPr lang="es-PE" sz="1200" dirty="0"/>
                     </a:p>
                   </a:txBody>
                   <a:tcPr/>
@@ -11310,10 +11518,216 @@
                   </a:ext>
                 </a:extLst>
               </a:tr>
+              <a:tr h="508500">
+                <a:tc>
+                  <a:txBody>
+                    <a:bodyPr/>
+                    <a:lstStyle/>
+                    <a:p>
+                      <a:pPr marL="0" indent="0">
+                        <a:buFontTx/>
+                        <a:buNone/>
+                      </a:pPr>
+                      <a:r>
+                        <a:rPr lang="es-PE" sz="1800" dirty="0"/>
+                        <a:t>Pandas</a:t>
+                      </a:r>
+                    </a:p>
+                  </a:txBody>
+                  <a:tcPr/>
+                </a:tc>
+                <a:tc>
+                  <a:txBody>
+                    <a:bodyPr/>
+                    <a:lstStyle/>
+                    <a:p>
+                      <a:pPr marL="0" indent="0">
+                        <a:buFontTx/>
+                        <a:buNone/>
+                      </a:pPr>
+                      <a:r>
+                        <a:rPr lang="es-PE" sz="1200" dirty="0">
+                          <a:hlinkClick r:id="rId13"/>
+                        </a:rPr>
+                        <a:t>https://pandas.pydata.org/</a:t>
+                      </a:r>
+                      <a:endParaRPr lang="es-PE" sz="1200" dirty="0"/>
+                    </a:p>
+                    <a:p>
+                      <a:pPr marL="0" indent="0">
+                        <a:buFontTx/>
+                        <a:buNone/>
+                      </a:pPr>
+                      <a:endParaRPr lang="es-PE" sz="1200" dirty="0"/>
+                    </a:p>
+                  </a:txBody>
+                  <a:tcPr/>
+                </a:tc>
+                <a:extLst>
+                  <a:ext uri="{0D108BD9-81ED-4DB2-BD59-A6C34878D82A}">
+                    <a16:rowId xmlns:a16="http://schemas.microsoft.com/office/drawing/2014/main" val="401082516"/>
+                  </a:ext>
+                </a:extLst>
+              </a:tr>
+              <a:tr h="711900">
+                <a:tc>
+                  <a:txBody>
+                    <a:bodyPr/>
+                    <a:lstStyle/>
+                    <a:p>
+                      <a:pPr marL="0" indent="0">
+                        <a:buFontTx/>
+                        <a:buNone/>
+                      </a:pPr>
+                      <a:r>
+                        <a:rPr lang="es-PE" sz="1800" dirty="0"/>
+                        <a:t>Matpotlilb</a:t>
+                      </a:r>
+                    </a:p>
+                  </a:txBody>
+                  <a:tcPr/>
+                </a:tc>
+                <a:tc>
+                  <a:txBody>
+                    <a:bodyPr/>
+                    <a:lstStyle/>
+                    <a:p>
+                      <a:pPr marL="0" indent="0">
+                        <a:buFontTx/>
+                        <a:buNone/>
+                      </a:pPr>
+                      <a:r>
+                        <a:rPr lang="es-PE" sz="1200" dirty="0">
+                          <a:hlinkClick r:id="rId6"/>
+                        </a:rPr>
+                        <a:t>https://matplotlib.org/stable/api/_as_gen/matplotlib.pyplot.pie.html</a:t>
+                      </a:r>
+                      <a:endParaRPr lang="es-PE" sz="1200" dirty="0"/>
+                    </a:p>
+                    <a:p>
+                      <a:pPr marL="0" indent="0">
+                        <a:buFontTx/>
+                        <a:buNone/>
+                      </a:pPr>
+                      <a:endParaRPr lang="es-PE" sz="1200" dirty="0"/>
+                    </a:p>
+                  </a:txBody>
+                  <a:tcPr/>
+                </a:tc>
+                <a:extLst>
+                  <a:ext uri="{0D108BD9-81ED-4DB2-BD59-A6C34878D82A}">
+                    <a16:rowId xmlns:a16="http://schemas.microsoft.com/office/drawing/2014/main" val="2293135878"/>
+                  </a:ext>
+                </a:extLst>
+              </a:tr>
+              <a:tr h="508500">
+                <a:tc>
+                  <a:txBody>
+                    <a:bodyPr/>
+                    <a:lstStyle/>
+                    <a:p>
+                      <a:pPr marL="0" indent="0">
+                        <a:buFontTx/>
+                        <a:buNone/>
+                      </a:pPr>
+                      <a:r>
+                        <a:rPr lang="es-PE" sz="1800" dirty="0"/>
+                        <a:t>Seaborn</a:t>
+                      </a:r>
+                    </a:p>
+                  </a:txBody>
+                  <a:tcPr/>
+                </a:tc>
+                <a:tc>
+                  <a:txBody>
+                    <a:bodyPr/>
+                    <a:lstStyle/>
+                    <a:p>
+                      <a:pPr marL="0" marR="0" lvl="0" indent="0" algn="l" defTabSz="914400" rtl="0" eaLnBrk="1" fontAlgn="auto" latinLnBrk="0" hangingPunct="1">
+                        <a:lnSpc>
+                          <a:spcPct val="100000"/>
+                        </a:lnSpc>
+                        <a:spcBef>
+                          <a:spcPts val="0"/>
+                        </a:spcBef>
+                        <a:spcAft>
+                          <a:spcPts val="0"/>
+                        </a:spcAft>
+                        <a:buClrTx/>
+                        <a:buSzTx/>
+                        <a:buFontTx/>
+                        <a:buNone/>
+                        <a:tabLst/>
+                        <a:defRPr/>
+                      </a:pPr>
+                      <a:r>
+                        <a:rPr lang="es-PE" sz="1200" dirty="0">
+                          <a:hlinkClick r:id="rId14"/>
+                        </a:rPr>
+                        <a:t>https://seaborn.pydata.org/</a:t>
+                      </a:r>
+                      <a:endParaRPr lang="es-PE" sz="1200" dirty="0"/>
+                    </a:p>
+                    <a:p>
+                      <a:pPr marL="0" indent="0">
+                        <a:buFontTx/>
+                        <a:buNone/>
+                      </a:pPr>
+                      <a:endParaRPr lang="es-PE" sz="1200" dirty="0"/>
+                    </a:p>
+                  </a:txBody>
+                  <a:tcPr/>
+                </a:tc>
+                <a:extLst>
+                  <a:ext uri="{0D108BD9-81ED-4DB2-BD59-A6C34878D82A}">
+                    <a16:rowId xmlns:a16="http://schemas.microsoft.com/office/drawing/2014/main" val="284768809"/>
+                  </a:ext>
+                </a:extLst>
+              </a:tr>
             </a:tbl>
           </a:graphicData>
         </a:graphic>
       </p:graphicFrame>
+      <p:sp>
+        <p:nvSpPr>
+          <p:cNvPr id="2" name="CuadroTexto 1">
+            <a:extLst>
+              <a:ext uri="{FF2B5EF4-FFF2-40B4-BE49-F238E27FC236}">
+                <a16:creationId xmlns:a16="http://schemas.microsoft.com/office/drawing/2014/main" id="{049344DF-85E0-4232-9C04-FE1AEB8C3466}"/>
+              </a:ext>
+            </a:extLst>
+          </p:cNvPr>
+          <p:cNvSpPr txBox="1"/>
+          <p:nvPr/>
+        </p:nvSpPr>
+        <p:spPr>
+          <a:xfrm>
+            <a:off x="461644" y="1842830"/>
+            <a:ext cx="4043680" cy="707886"/>
+          </a:xfrm>
+          <a:prstGeom prst="rect">
+            <a:avLst/>
+          </a:prstGeom>
+          <a:noFill/>
+        </p:spPr>
+        <p:txBody>
+          <a:bodyPr wrap="square" rtlCol="0">
+            <a:spAutoFit/>
+          </a:bodyPr>
+          <a:lstStyle/>
+          <a:p>
+            <a:pPr marL="285750" indent="-285750">
+              <a:buFont typeface="Arial" panose="020B0604020202020204" pitchFamily="34" charset="0"/>
+              <a:buChar char="•"/>
+            </a:pPr>
+            <a:r>
+              <a:rPr lang="es-PE" sz="2000" dirty="0"/>
+              <a:t>Referencias de códigos utilizados en el desarrollo del proyecto</a:t>
+            </a:r>
+            <a:endParaRPr lang="es-ES" sz="2000" dirty="0"/>
+          </a:p>
+        </p:txBody>
+      </p:sp>
     </p:spTree>
     <p:extLst>
       <p:ext uri="{BB962C8B-B14F-4D97-AF65-F5344CB8AC3E}">
@@ -12496,6 +12910,160 @@
           <a:chExt cx="0" cy="0"/>
         </a:xfrm>
       </p:grpSpPr>
+      <p:pic>
+        <p:nvPicPr>
+          <p:cNvPr id="11" name="Imagen 10">
+            <a:extLst>
+              <a:ext uri="{FF2B5EF4-FFF2-40B4-BE49-F238E27FC236}">
+                <a16:creationId xmlns:a16="http://schemas.microsoft.com/office/drawing/2014/main" id="{511B7907-08BB-4439-91A2-906B21F42A6E}"/>
+              </a:ext>
+            </a:extLst>
+          </p:cNvPr>
+          <p:cNvPicPr>
+            <a:picLocks noChangeAspect="1"/>
+          </p:cNvPicPr>
+          <p:nvPr/>
+        </p:nvPicPr>
+        <p:blipFill rotWithShape="1">
+          <a:blip r:embed="rId2"/>
+          <a:srcRect r="78170" b="50000"/>
+          <a:stretch/>
+        </p:blipFill>
+        <p:spPr>
+          <a:xfrm>
+            <a:off x="990871" y="1246418"/>
+            <a:ext cx="2168889" cy="2070255"/>
+          </a:xfrm>
+          <a:prstGeom prst="rect">
+            <a:avLst/>
+          </a:prstGeom>
+        </p:spPr>
+      </p:pic>
+      <p:sp>
+        <p:nvSpPr>
+          <p:cNvPr id="8" name="CuadroTexto 7">
+            <a:extLst>
+              <a:ext uri="{FF2B5EF4-FFF2-40B4-BE49-F238E27FC236}">
+                <a16:creationId xmlns:a16="http://schemas.microsoft.com/office/drawing/2014/main" id="{0E6B0D60-3DD6-4D66-A672-7ED8BC5A765A}"/>
+              </a:ext>
+            </a:extLst>
+          </p:cNvPr>
+          <p:cNvSpPr txBox="1"/>
+          <p:nvPr/>
+        </p:nvSpPr>
+        <p:spPr>
+          <a:xfrm>
+            <a:off x="999649" y="1277466"/>
+            <a:ext cx="2061691" cy="2081320"/>
+          </a:xfrm>
+          <a:prstGeom prst="rect">
+            <a:avLst/>
+          </a:prstGeom>
+          <a:noFill/>
+          <a:ln w="22225">
+            <a:solidFill>
+              <a:schemeClr val="tx1"/>
+            </a:solidFill>
+            <a:prstDash val="sysDash"/>
+          </a:ln>
+        </p:spPr>
+        <p:txBody>
+          <a:bodyPr wrap="square" rtlCol="0">
+            <a:spAutoFit/>
+          </a:bodyPr>
+          <a:lstStyle/>
+          <a:p>
+            <a:endParaRPr lang="es-ES" dirty="0"/>
+          </a:p>
+        </p:txBody>
+      </p:sp>
+      <p:pic>
+        <p:nvPicPr>
+          <p:cNvPr id="12" name="Imagen 11">
+            <a:extLst>
+              <a:ext uri="{FF2B5EF4-FFF2-40B4-BE49-F238E27FC236}">
+                <a16:creationId xmlns:a16="http://schemas.microsoft.com/office/drawing/2014/main" id="{002C4B26-FF04-4232-92E2-D1F6F5161CBA}"/>
+              </a:ext>
+            </a:extLst>
+          </p:cNvPr>
+          <p:cNvPicPr>
+            <a:picLocks noChangeAspect="1"/>
+          </p:cNvPicPr>
+          <p:nvPr/>
+        </p:nvPicPr>
+        <p:blipFill rotWithShape="1">
+          <a:blip r:embed="rId2"/>
+          <a:srcRect t="49454" r="79249"/>
+          <a:stretch/>
+        </p:blipFill>
+        <p:spPr>
+          <a:xfrm>
+            <a:off x="938271" y="3513052"/>
+            <a:ext cx="2061691" cy="2092880"/>
+          </a:xfrm>
+          <a:prstGeom prst="rect">
+            <a:avLst/>
+          </a:prstGeom>
+        </p:spPr>
+      </p:pic>
+      <p:pic>
+        <p:nvPicPr>
+          <p:cNvPr id="16" name="Imagen 15">
+            <a:extLst>
+              <a:ext uri="{FF2B5EF4-FFF2-40B4-BE49-F238E27FC236}">
+                <a16:creationId xmlns:a16="http://schemas.microsoft.com/office/drawing/2014/main" id="{4A9F0C0E-B88B-404E-9EE7-4D041674B923}"/>
+              </a:ext>
+            </a:extLst>
+          </p:cNvPr>
+          <p:cNvPicPr>
+            <a:picLocks noChangeAspect="1"/>
+          </p:cNvPicPr>
+          <p:nvPr/>
+        </p:nvPicPr>
+        <p:blipFill rotWithShape="1">
+          <a:blip r:embed="rId3"/>
+          <a:srcRect l="19941"/>
+          <a:stretch/>
+        </p:blipFill>
+        <p:spPr>
+          <a:xfrm>
+            <a:off x="3159760" y="3501321"/>
+            <a:ext cx="7955710" cy="2091109"/>
+          </a:xfrm>
+          <a:prstGeom prst="rect">
+            <a:avLst/>
+          </a:prstGeom>
+        </p:spPr>
+      </p:pic>
+      <p:pic>
+        <p:nvPicPr>
+          <p:cNvPr id="15" name="Imagen 14">
+            <a:extLst>
+              <a:ext uri="{FF2B5EF4-FFF2-40B4-BE49-F238E27FC236}">
+                <a16:creationId xmlns:a16="http://schemas.microsoft.com/office/drawing/2014/main" id="{3D76E5C9-4DCB-46F1-B889-2AC7A8953A30}"/>
+              </a:ext>
+            </a:extLst>
+          </p:cNvPr>
+          <p:cNvPicPr>
+            <a:picLocks noChangeAspect="1"/>
+          </p:cNvPicPr>
+          <p:nvPr/>
+        </p:nvPicPr>
+        <p:blipFill rotWithShape="1">
+          <a:blip r:embed="rId4"/>
+          <a:srcRect l="21373"/>
+          <a:stretch/>
+        </p:blipFill>
+        <p:spPr>
+          <a:xfrm>
+            <a:off x="3230880" y="1254437"/>
+            <a:ext cx="7813470" cy="2072820"/>
+          </a:xfrm>
+          <a:prstGeom prst="rect">
+            <a:avLst/>
+          </a:prstGeom>
+        </p:spPr>
+      </p:pic>
       <p:sp>
         <p:nvSpPr>
           <p:cNvPr id="9" name="CuadroTexto 8">
@@ -12510,8 +13078,8 @@
         </p:nvSpPr>
         <p:spPr>
           <a:xfrm>
-            <a:off x="426085" y="27285"/>
-            <a:ext cx="8951595" cy="523220"/>
+            <a:off x="365125" y="284859"/>
+            <a:ext cx="10883900" cy="523220"/>
           </a:xfrm>
           <a:prstGeom prst="rect">
             <a:avLst/>
@@ -12541,6 +13109,355 @@
               <a:tabLst/>
             </a:pPr>
             <a:r>
+              <a:rPr lang="es-ES" altLang="es-ES" sz="2800" b="1" dirty="0">
+                <a:solidFill>
+                  <a:srgbClr val="D5745D"/>
+                </a:solidFill>
+                <a:latin typeface="Roboto" panose="02000000000000000000" pitchFamily="2" charset="0"/>
+              </a:rPr>
+              <a:t>Análisis de las características seleccionas por Rango de Precio</a:t>
+            </a:r>
+            <a:endParaRPr kumimoji="0" lang="es-ES" altLang="es-ES" sz="2800" b="1" i="0" u="none" strike="noStrike" cap="none" normalizeH="0" baseline="0" dirty="0">
+              <a:ln>
+                <a:noFill/>
+              </a:ln>
+              <a:solidFill>
+                <a:srgbClr val="D5745D"/>
+              </a:solidFill>
+              <a:effectLst/>
+              <a:latin typeface="Roboto" panose="02000000000000000000" pitchFamily="2" charset="0"/>
+            </a:endParaRPr>
+          </a:p>
+        </p:txBody>
+      </p:sp>
+      <p:cxnSp>
+        <p:nvCxnSpPr>
+          <p:cNvPr id="3" name="Conector recto 2">
+            <a:extLst>
+              <a:ext uri="{FF2B5EF4-FFF2-40B4-BE49-F238E27FC236}">
+                <a16:creationId xmlns:a16="http://schemas.microsoft.com/office/drawing/2014/main" id="{5E9922BB-210F-45FC-A99E-617448356742}"/>
+              </a:ext>
+            </a:extLst>
+          </p:cNvPr>
+          <p:cNvCxnSpPr>
+            <a:cxnSpLocks/>
+          </p:cNvCxnSpPr>
+          <p:nvPr/>
+        </p:nvCxnSpPr>
+        <p:spPr>
+          <a:xfrm>
+            <a:off x="-26980" y="1085850"/>
+            <a:ext cx="12218980" cy="0"/>
+          </a:xfrm>
+          <a:prstGeom prst="line">
+            <a:avLst/>
+          </a:prstGeom>
+          <a:ln>
+            <a:solidFill>
+              <a:srgbClr val="C00000"/>
+            </a:solidFill>
+          </a:ln>
+        </p:spPr>
+        <p:style>
+          <a:lnRef idx="3">
+            <a:schemeClr val="accent5"/>
+          </a:lnRef>
+          <a:fillRef idx="0">
+            <a:schemeClr val="accent5"/>
+          </a:fillRef>
+          <a:effectRef idx="2">
+            <a:schemeClr val="accent5"/>
+          </a:effectRef>
+          <a:fontRef idx="minor">
+            <a:schemeClr val="tx1"/>
+          </a:fontRef>
+        </p:style>
+      </p:cxnSp>
+      <p:sp>
+        <p:nvSpPr>
+          <p:cNvPr id="4" name="CuadroTexto 3">
+            <a:extLst>
+              <a:ext uri="{FF2B5EF4-FFF2-40B4-BE49-F238E27FC236}">
+                <a16:creationId xmlns:a16="http://schemas.microsoft.com/office/drawing/2014/main" id="{9B11B1EB-988C-49B5-A800-E7FB4018C7DB}"/>
+              </a:ext>
+            </a:extLst>
+          </p:cNvPr>
+          <p:cNvSpPr txBox="1"/>
+          <p:nvPr/>
+        </p:nvSpPr>
+        <p:spPr>
+          <a:xfrm>
+            <a:off x="3159760" y="3451315"/>
+            <a:ext cx="2102875" cy="2092879"/>
+          </a:xfrm>
+          <a:prstGeom prst="rect">
+            <a:avLst/>
+          </a:prstGeom>
+          <a:noFill/>
+          <a:ln w="22225">
+            <a:solidFill>
+              <a:schemeClr val="tx1"/>
+            </a:solidFill>
+            <a:prstDash val="sysDash"/>
+          </a:ln>
+        </p:spPr>
+        <p:txBody>
+          <a:bodyPr wrap="square" rtlCol="0">
+            <a:spAutoFit/>
+          </a:bodyPr>
+          <a:lstStyle/>
+          <a:p>
+            <a:endParaRPr lang="es-ES" dirty="0"/>
+          </a:p>
+        </p:txBody>
+      </p:sp>
+      <p:sp>
+        <p:nvSpPr>
+          <p:cNvPr id="6" name="CuadroTexto 5">
+            <a:extLst>
+              <a:ext uri="{FF2B5EF4-FFF2-40B4-BE49-F238E27FC236}">
+                <a16:creationId xmlns:a16="http://schemas.microsoft.com/office/drawing/2014/main" id="{51E4162E-8797-49D6-887B-07CB7FF63C33}"/>
+              </a:ext>
+            </a:extLst>
+          </p:cNvPr>
+          <p:cNvSpPr txBox="1"/>
+          <p:nvPr/>
+        </p:nvSpPr>
+        <p:spPr>
+          <a:xfrm>
+            <a:off x="5373361" y="5469320"/>
+            <a:ext cx="2804160" cy="246221"/>
+          </a:xfrm>
+          <a:prstGeom prst="rect">
+            <a:avLst/>
+          </a:prstGeom>
+          <a:noFill/>
+        </p:spPr>
+        <p:txBody>
+          <a:bodyPr wrap="square" rtlCol="0">
+            <a:spAutoFit/>
+          </a:bodyPr>
+          <a:lstStyle/>
+          <a:p>
+            <a:r>
+              <a:rPr lang="es-PE" sz="1000" dirty="0"/>
+              <a:t>Rango de Precios</a:t>
+            </a:r>
+            <a:endParaRPr lang="es-ES" sz="1000" dirty="0"/>
+          </a:p>
+        </p:txBody>
+      </p:sp>
+      <p:sp>
+        <p:nvSpPr>
+          <p:cNvPr id="7" name="CuadroTexto 6">
+            <a:extLst>
+              <a:ext uri="{FF2B5EF4-FFF2-40B4-BE49-F238E27FC236}">
+                <a16:creationId xmlns:a16="http://schemas.microsoft.com/office/drawing/2014/main" id="{744E46D1-AA31-4684-B53B-52F8BD035EFE}"/>
+              </a:ext>
+            </a:extLst>
+          </p:cNvPr>
+          <p:cNvSpPr txBox="1"/>
+          <p:nvPr/>
+        </p:nvSpPr>
+        <p:spPr>
+          <a:xfrm>
+            <a:off x="365125" y="5698461"/>
+            <a:ext cx="11216640" cy="830997"/>
+          </a:xfrm>
+          <a:prstGeom prst="rect">
+            <a:avLst/>
+          </a:prstGeom>
+          <a:noFill/>
+          <a:ln>
+            <a:noFill/>
+          </a:ln>
+        </p:spPr>
+        <p:txBody>
+          <a:bodyPr wrap="square" rtlCol="0">
+            <a:spAutoFit/>
+          </a:bodyPr>
+          <a:lstStyle/>
+          <a:p>
+            <a:pPr marL="285750" indent="-285750">
+              <a:buFont typeface="Arial" panose="020B0604020202020204" pitchFamily="34" charset="0"/>
+              <a:buChar char="•"/>
+            </a:pPr>
+            <a:r>
+              <a:rPr lang="es-ES" sz="1600" dirty="0"/>
+              <a:t>En la grafica de las características con respecto al rango de precios, se han  marcado con línea pespunteada  las características internas Batería,  Pixeles de Alto y Ancho y Memoria RAM, las cuales muestran una diferenciación por cada rango, resaltando la Memoria RAM con una marcada. El resto de casi no hay diferencias.</a:t>
+            </a:r>
+          </a:p>
+        </p:txBody>
+      </p:sp>
+      <p:sp>
+        <p:nvSpPr>
+          <p:cNvPr id="14" name="CuadroTexto 13">
+            <a:extLst>
+              <a:ext uri="{FF2B5EF4-FFF2-40B4-BE49-F238E27FC236}">
+                <a16:creationId xmlns:a16="http://schemas.microsoft.com/office/drawing/2014/main" id="{5D975742-0B0B-44E3-90FF-17C869E52798}"/>
+              </a:ext>
+            </a:extLst>
+          </p:cNvPr>
+          <p:cNvSpPr txBox="1"/>
+          <p:nvPr/>
+        </p:nvSpPr>
+        <p:spPr>
+          <a:xfrm>
+            <a:off x="990871" y="3451314"/>
+            <a:ext cx="2058163" cy="2092879"/>
+          </a:xfrm>
+          <a:prstGeom prst="rect">
+            <a:avLst/>
+          </a:prstGeom>
+          <a:noFill/>
+          <a:ln w="22225">
+            <a:solidFill>
+              <a:schemeClr val="tx1"/>
+            </a:solidFill>
+            <a:prstDash val="sysDash"/>
+          </a:ln>
+        </p:spPr>
+        <p:txBody>
+          <a:bodyPr wrap="square" rtlCol="0">
+            <a:spAutoFit/>
+          </a:bodyPr>
+          <a:lstStyle/>
+          <a:p>
+            <a:endParaRPr lang="es-ES" dirty="0"/>
+          </a:p>
+        </p:txBody>
+      </p:sp>
+      <p:sp>
+        <p:nvSpPr>
+          <p:cNvPr id="19" name="CuadroTexto 18">
+            <a:extLst>
+              <a:ext uri="{FF2B5EF4-FFF2-40B4-BE49-F238E27FC236}">
+                <a16:creationId xmlns:a16="http://schemas.microsoft.com/office/drawing/2014/main" id="{431B51AA-572F-4FDF-86DF-78E47B7B6F4A}"/>
+              </a:ext>
+            </a:extLst>
+          </p:cNvPr>
+          <p:cNvSpPr txBox="1"/>
+          <p:nvPr/>
+        </p:nvSpPr>
+        <p:spPr>
+          <a:xfrm>
+            <a:off x="9032240" y="1287562"/>
+            <a:ext cx="2012110" cy="2081320"/>
+          </a:xfrm>
+          <a:prstGeom prst="rect">
+            <a:avLst/>
+          </a:prstGeom>
+          <a:noFill/>
+          <a:ln w="22225">
+            <a:solidFill>
+              <a:schemeClr val="tx1"/>
+            </a:solidFill>
+            <a:prstDash val="sysDash"/>
+          </a:ln>
+        </p:spPr>
+        <p:txBody>
+          <a:bodyPr wrap="square" rtlCol="0">
+            <a:spAutoFit/>
+          </a:bodyPr>
+          <a:lstStyle/>
+          <a:p>
+            <a:endParaRPr lang="es-ES" dirty="0"/>
+          </a:p>
+        </p:txBody>
+      </p:sp>
+    </p:spTree>
+    <p:extLst>
+      <p:ext uri="{BB962C8B-B14F-4D97-AF65-F5344CB8AC3E}">
+        <p14:creationId xmlns:p14="http://schemas.microsoft.com/office/powerpoint/2010/main" val="809950441"/>
+      </p:ext>
+    </p:extLst>
+  </p:cSld>
+  <p:clrMapOvr>
+    <a:masterClrMapping/>
+  </p:clrMapOvr>
+  <mc:AlternateContent xmlns:mc="http://schemas.openxmlformats.org/markup-compatibility/2006" xmlns:p14="http://schemas.microsoft.com/office/powerpoint/2010/main">
+    <mc:Choice Requires="p14">
+      <p:transition spd="slow" p14:dur="2000" advTm="35321"/>
+    </mc:Choice>
+    <mc:Fallback xmlns="">
+      <p:transition spd="slow" advTm="35321"/>
+    </mc:Fallback>
+  </mc:AlternateContent>
+</p:sld>
+</file>
+
+<file path=ppt/slides/slide9.xml><?xml version="1.0" encoding="utf-8"?>
+<p:sld xmlns:a="http://schemas.openxmlformats.org/drawingml/2006/main" xmlns:r="http://schemas.openxmlformats.org/officeDocument/2006/relationships" xmlns:p="http://schemas.openxmlformats.org/presentationml/2006/main">
+  <p:cSld>
+    <p:spTree>
+      <p:nvGrpSpPr>
+        <p:cNvPr id="1" name=""/>
+        <p:cNvGrpSpPr/>
+        <p:nvPr/>
+      </p:nvGrpSpPr>
+      <p:grpSpPr>
+        <a:xfrm>
+          <a:off x="0" y="0"/>
+          <a:ext cx="0" cy="0"/>
+          <a:chOff x="0" y="0"/>
+          <a:chExt cx="0" cy="0"/>
+        </a:xfrm>
+      </p:grpSpPr>
+      <p:sp>
+        <p:nvSpPr>
+          <p:cNvPr id="9" name="CuadroTexto 8">
+            <a:extLst>
+              <a:ext uri="{FF2B5EF4-FFF2-40B4-BE49-F238E27FC236}">
+                <a16:creationId xmlns:a16="http://schemas.microsoft.com/office/drawing/2014/main" id="{31288D34-332F-4D3E-BCC3-88902E096DE7}"/>
+              </a:ext>
+            </a:extLst>
+          </p:cNvPr>
+          <p:cNvSpPr txBox="1"/>
+          <p:nvPr/>
+        </p:nvSpPr>
+        <p:spPr>
+          <a:xfrm>
+            <a:off x="387985" y="219936"/>
+            <a:ext cx="9308465" cy="523220"/>
+          </a:xfrm>
+          <a:prstGeom prst="rect">
+            <a:avLst/>
+          </a:prstGeom>
+          <a:noFill/>
+        </p:spPr>
+        <p:txBody>
+          <a:bodyPr wrap="square">
+            <a:spAutoFit/>
+          </a:bodyPr>
+          <a:lstStyle/>
+          <a:p>
+            <a:pPr marL="0" marR="0" lvl="0" indent="0" defTabSz="914400" rtl="0" eaLnBrk="0" fontAlgn="base" latinLnBrk="0" hangingPunct="0">
+              <a:lnSpc>
+                <a:spcPct val="100000"/>
+              </a:lnSpc>
+              <a:spcBef>
+                <a:spcPct val="0"/>
+              </a:spcBef>
+              <a:spcAft>
+                <a:spcPct val="0"/>
+              </a:spcAft>
+              <a:buClrTx/>
+              <a:buSzTx/>
+              <a:buFontTx/>
+              <a:buNone/>
+              <a:tabLst/>
+            </a:pPr>
+            <a:r>
+              <a:rPr kumimoji="0" lang="es-PE" altLang="es-ES" sz="2800" b="1" i="0" u="none" strike="noStrike" cap="none" normalizeH="0" baseline="0" dirty="0" err="1">
+                <a:ln>
+                  <a:noFill/>
+                </a:ln>
+                <a:effectLst/>
+                <a:latin typeface="Roboto" panose="02000000000000000000" pitchFamily="2" charset="0"/>
+              </a:rPr>
+              <a:t>Caracteristicas</a:t>
+            </a:r>
+            <a:r>
               <a:rPr kumimoji="0" lang="es-PE" altLang="es-ES" sz="2800" b="1" i="0" u="none" strike="noStrike" cap="none" normalizeH="0" baseline="0" dirty="0">
                 <a:ln>
                   <a:noFill/>
@@ -12548,7 +13465,7 @@
                 <a:effectLst/>
                 <a:latin typeface="Roboto" panose="02000000000000000000" pitchFamily="2" charset="0"/>
               </a:rPr>
-              <a:t>Dispersión de datos de variables correlacionadas</a:t>
+              <a:t> correlacionadas con la variable objetivo</a:t>
             </a:r>
             <a:endParaRPr kumimoji="0" lang="es-ES" altLang="es-ES" sz="2800" b="1" i="0" u="none" strike="noStrike" cap="none" normalizeH="0" baseline="0" dirty="0">
               <a:ln>
@@ -12625,8 +13542,8 @@
         </p:blipFill>
         <p:spPr>
           <a:xfrm>
-            <a:off x="593790" y="1835721"/>
-            <a:ext cx="3604107" cy="3293134"/>
+            <a:off x="694864" y="1606873"/>
+            <a:ext cx="2877139" cy="2628891"/>
           </a:xfrm>
           <a:prstGeom prst="rect">
             <a:avLst/>
@@ -12652,8 +13569,8 @@
         </p:nvSpPr>
         <p:spPr>
           <a:xfrm>
-            <a:off x="593790" y="5471166"/>
-            <a:ext cx="3908505" cy="369332"/>
+            <a:off x="612840" y="4756791"/>
+            <a:ext cx="3201631" cy="923330"/>
           </a:xfrm>
           <a:prstGeom prst="rect">
             <a:avLst/>
@@ -12673,9 +13590,13 @@
           </a:bodyPr>
           <a:lstStyle/>
           <a:p>
+            <a:pPr marL="285750" indent="-285750">
+              <a:buFont typeface="Arial" panose="020B0604020202020204" pitchFamily="34" charset="0"/>
+              <a:buChar char="•"/>
+            </a:pPr>
             <a:r>
               <a:rPr lang="es-PE" dirty="0"/>
-              <a:t>Correlación alta con la Variable Objetivo</a:t>
+              <a:t>Dispersión de la Memoria RAM en correlación alta con la Variable Objetivo</a:t>
             </a:r>
             <a:endParaRPr lang="es-ES" dirty="0"/>
           </a:p>
@@ -12695,8 +13616,8 @@
         </p:nvSpPr>
         <p:spPr>
           <a:xfrm>
-            <a:off x="5850208" y="5471166"/>
-            <a:ext cx="4665391" cy="369332"/>
+            <a:off x="4133850" y="4756791"/>
+            <a:ext cx="7504387" cy="923330"/>
           </a:xfrm>
           <a:prstGeom prst="rect">
             <a:avLst/>
@@ -12716,9 +13637,29 @@
           </a:bodyPr>
           <a:lstStyle/>
           <a:p>
+            <a:pPr marL="285750" indent="-285750">
+              <a:buFont typeface="Arial" panose="020B0604020202020204" pitchFamily="34" charset="0"/>
+              <a:buChar char="•"/>
+            </a:pPr>
             <a:r>
               <a:rPr lang="es-PE" dirty="0"/>
-              <a:t>Correlación alta y baja con la Variable Objetivo </a:t>
+              <a:t>Información estadística a través de </a:t>
+            </a:r>
+            <a:r>
+              <a:rPr lang="es-PE" dirty="0" err="1"/>
+              <a:t>boxplots</a:t>
+            </a:r>
+            <a:r>
+              <a:rPr lang="es-PE" dirty="0"/>
+              <a:t> de las características </a:t>
+            </a:r>
+            <a:r>
+              <a:rPr lang="es-PE" dirty="0" err="1"/>
+              <a:t>Bateria</a:t>
+            </a:r>
+            <a:r>
+              <a:rPr lang="es-PE" dirty="0"/>
+              <a:t>, Pixeles de Alto y Pixeles de Ancho en correlación baja con la Variable Objetivo</a:t>
             </a:r>
             <a:endParaRPr lang="es-ES" dirty="0"/>
           </a:p>
@@ -12726,10 +13667,10 @@
       </p:sp>
       <p:pic>
         <p:nvPicPr>
-          <p:cNvPr id="6" name="Imagen 5">
+          <p:cNvPr id="4" name="Imagen 3">
             <a:extLst>
               <a:ext uri="{FF2B5EF4-FFF2-40B4-BE49-F238E27FC236}">
-                <a16:creationId xmlns:a16="http://schemas.microsoft.com/office/drawing/2014/main" id="{88188449-E74F-4A95-AFD1-381CBEC1946A}"/>
+                <a16:creationId xmlns:a16="http://schemas.microsoft.com/office/drawing/2014/main" id="{3A9DFF53-8123-4E10-BEB1-3D3D2E379C6D}"/>
               </a:ext>
             </a:extLst>
           </p:cNvPr>
@@ -12746,8 +13687,8 @@
         </p:blipFill>
         <p:spPr>
           <a:xfrm>
-            <a:off x="4502295" y="1835721"/>
-            <a:ext cx="6983619" cy="3292751"/>
+            <a:off x="3814470" y="1606878"/>
+            <a:ext cx="7823767" cy="2628886"/>
           </a:xfrm>
           <a:prstGeom prst="rect">
             <a:avLst/>
@@ -12758,287 +13699,6 @@
     <p:extLst>
       <p:ext uri="{BB962C8B-B14F-4D97-AF65-F5344CB8AC3E}">
         <p14:creationId xmlns:p14="http://schemas.microsoft.com/office/powerpoint/2010/main" val="1065915557"/>
-      </p:ext>
-    </p:extLst>
-  </p:cSld>
-  <p:clrMapOvr>
-    <a:masterClrMapping/>
-  </p:clrMapOvr>
-  <mc:AlternateContent xmlns:mc="http://schemas.openxmlformats.org/markup-compatibility/2006" xmlns:p14="http://schemas.microsoft.com/office/powerpoint/2010/main">
-    <mc:Choice Requires="p14">
-      <p:transition spd="slow" p14:dur="2000" advTm="35321"/>
-    </mc:Choice>
-    <mc:Fallback xmlns="">
-      <p:transition spd="slow" advTm="35321"/>
-    </mc:Fallback>
-  </mc:AlternateContent>
-</p:sld>
-</file>
-
-<file path=ppt/slides/slide9.xml><?xml version="1.0" encoding="utf-8"?>
-<p:sld xmlns:a="http://schemas.openxmlformats.org/drawingml/2006/main" xmlns:r="http://schemas.openxmlformats.org/officeDocument/2006/relationships" xmlns:p="http://schemas.openxmlformats.org/presentationml/2006/main">
-  <p:cSld>
-    <p:spTree>
-      <p:nvGrpSpPr>
-        <p:cNvPr id="1" name=""/>
-        <p:cNvGrpSpPr/>
-        <p:nvPr/>
-      </p:nvGrpSpPr>
-      <p:grpSpPr>
-        <a:xfrm>
-          <a:off x="0" y="0"/>
-          <a:ext cx="0" cy="0"/>
-          <a:chOff x="0" y="0"/>
-          <a:chExt cx="0" cy="0"/>
-        </a:xfrm>
-      </p:grpSpPr>
-      <p:sp>
-        <p:nvSpPr>
-          <p:cNvPr id="9" name="CuadroTexto 8">
-            <a:extLst>
-              <a:ext uri="{FF2B5EF4-FFF2-40B4-BE49-F238E27FC236}">
-                <a16:creationId xmlns:a16="http://schemas.microsoft.com/office/drawing/2014/main" id="{31288D34-332F-4D3E-BCC3-88902E096DE7}"/>
-              </a:ext>
-            </a:extLst>
-          </p:cNvPr>
-          <p:cNvSpPr txBox="1"/>
-          <p:nvPr/>
-        </p:nvSpPr>
-        <p:spPr>
-          <a:xfrm>
-            <a:off x="365125" y="284859"/>
-            <a:ext cx="4140199" cy="523220"/>
-          </a:xfrm>
-          <a:prstGeom prst="rect">
-            <a:avLst/>
-          </a:prstGeom>
-          <a:noFill/>
-        </p:spPr>
-        <p:txBody>
-          <a:bodyPr wrap="square">
-            <a:spAutoFit/>
-          </a:bodyPr>
-          <a:lstStyle/>
-          <a:p>
-            <a:pPr marL="0" marR="0" lvl="0" indent="0" defTabSz="914400" rtl="0" eaLnBrk="0" fontAlgn="base" latinLnBrk="0" hangingPunct="0">
-              <a:lnSpc>
-                <a:spcPct val="100000"/>
-              </a:lnSpc>
-              <a:spcBef>
-                <a:spcPct val="0"/>
-              </a:spcBef>
-              <a:spcAft>
-                <a:spcPct val="0"/>
-              </a:spcAft>
-              <a:buClrTx/>
-              <a:buSzTx/>
-              <a:buFontTx/>
-              <a:buNone/>
-              <a:tabLst/>
-            </a:pPr>
-            <a:r>
-              <a:rPr lang="es-PE" altLang="es-ES" sz="2800" b="1" dirty="0">
-                <a:latin typeface="Roboto" panose="02000000000000000000" pitchFamily="2" charset="0"/>
-              </a:rPr>
-              <a:t>C</a:t>
-            </a:r>
-            <a:r>
-              <a:rPr lang="es-ES" altLang="es-ES" sz="2800" b="1" dirty="0">
-                <a:latin typeface="Roboto" panose="02000000000000000000" pitchFamily="2" charset="0"/>
-              </a:rPr>
-              <a:t>onclusiones</a:t>
-            </a:r>
-            <a:endParaRPr kumimoji="0" lang="es-ES" altLang="es-ES" sz="2800" b="1" i="0" u="none" strike="noStrike" cap="none" normalizeH="0" baseline="0" dirty="0">
-              <a:ln>
-                <a:noFill/>
-              </a:ln>
-              <a:effectLst/>
-              <a:latin typeface="Roboto" panose="02000000000000000000" pitchFamily="2" charset="0"/>
-            </a:endParaRPr>
-          </a:p>
-        </p:txBody>
-      </p:sp>
-      <p:sp>
-        <p:nvSpPr>
-          <p:cNvPr id="10" name="CuadroTexto 9">
-            <a:extLst>
-              <a:ext uri="{FF2B5EF4-FFF2-40B4-BE49-F238E27FC236}">
-                <a16:creationId xmlns:a16="http://schemas.microsoft.com/office/drawing/2014/main" id="{B8179C78-3C76-4739-BA80-851DB4E3B882}"/>
-              </a:ext>
-            </a:extLst>
-          </p:cNvPr>
-          <p:cNvSpPr txBox="1"/>
-          <p:nvPr/>
-        </p:nvSpPr>
-        <p:spPr>
-          <a:xfrm>
-            <a:off x="497840" y="1363622"/>
-            <a:ext cx="11196320" cy="4524315"/>
-          </a:xfrm>
-          <a:prstGeom prst="rect">
-            <a:avLst/>
-          </a:prstGeom>
-          <a:noFill/>
-          <a:ln w="12700">
-            <a:noFill/>
-          </a:ln>
-        </p:spPr>
-        <p:txBody>
-          <a:bodyPr wrap="square">
-            <a:spAutoFit/>
-          </a:bodyPr>
-          <a:lstStyle/>
-          <a:p>
-            <a:pPr marL="342900" indent="-342900">
-              <a:buFont typeface="Arial" panose="020B0604020202020204" pitchFamily="34" charset="0"/>
-              <a:buChar char="•"/>
-            </a:pPr>
-            <a:r>
-              <a:rPr lang="es-ES" dirty="0"/>
-              <a:t>Las data trabajada cuenta con 2000 observaciones y 21 características de tipo numérico y no presenta duplicados en filas o en columnas, ni valores nulos.</a:t>
-            </a:r>
-          </a:p>
-          <a:p>
-            <a:pPr marL="342900" indent="-342900">
-              <a:buFont typeface="Arial" panose="020B0604020202020204" pitchFamily="34" charset="0"/>
-              <a:buChar char="•"/>
-            </a:pPr>
-            <a:endParaRPr lang="es-ES" dirty="0"/>
-          </a:p>
-          <a:p>
-            <a:pPr marL="342900" indent="-342900">
-              <a:buFont typeface="Arial" panose="020B0604020202020204" pitchFamily="34" charset="0"/>
-              <a:buChar char="•"/>
-            </a:pPr>
-            <a:r>
-              <a:rPr lang="es-ES" dirty="0"/>
-              <a:t>La variable objetivo “Rango de Precios”, esta compuesta por cuatro grupos enumerados del 0 al 3 y contiene información balanceada para cada uno de estos cuatro grupos con 500 observaciones para cada uno.</a:t>
-            </a:r>
-          </a:p>
-          <a:p>
-            <a:pPr marL="342900" indent="-342900">
-              <a:buFont typeface="Arial" panose="020B0604020202020204" pitchFamily="34" charset="0"/>
-              <a:buChar char="•"/>
-            </a:pPr>
-            <a:endParaRPr lang="es-ES" dirty="0"/>
-          </a:p>
-          <a:p>
-            <a:pPr marL="342900" indent="-342900">
-              <a:buFont typeface="Arial" panose="020B0604020202020204" pitchFamily="34" charset="0"/>
-              <a:buChar char="•"/>
-            </a:pPr>
-            <a:r>
-              <a:rPr lang="es-ES" dirty="0"/>
-              <a:t>De las otras 20 categorías, algunas tienen una distribución de frecuencia normal y otras sesgada hacia la derecha dado que son valores positivos. De estas 20 categorías 6 son binarias que representan un tiene o no tiene la característica.</a:t>
-            </a:r>
-          </a:p>
-          <a:p>
-            <a:pPr marL="342900" indent="-342900">
-              <a:buFont typeface="Arial" panose="020B0604020202020204" pitchFamily="34" charset="0"/>
-              <a:buChar char="•"/>
-            </a:pPr>
-            <a:endParaRPr lang="es-ES" dirty="0"/>
-          </a:p>
-          <a:p>
-            <a:pPr marL="342900" indent="-342900">
-              <a:buFont typeface="Arial" panose="020B0604020202020204" pitchFamily="34" charset="0"/>
-              <a:buChar char="•"/>
-            </a:pPr>
-            <a:r>
-              <a:rPr lang="es-ES" dirty="0"/>
-              <a:t>El Mapa de Calor mostro once categorías que guardan alguna correlación entre ellas, destacando la relación muy alta la variable de Memoria RAM (</a:t>
-            </a:r>
-            <a:r>
-              <a:rPr lang="es-ES" dirty="0" err="1"/>
-              <a:t>ram</a:t>
-            </a:r>
-            <a:r>
-              <a:rPr lang="es-ES" dirty="0"/>
-              <a:t>) y el vector objetivo Rango de Precios (</a:t>
-            </a:r>
-            <a:r>
-              <a:rPr lang="es-ES" dirty="0" err="1"/>
-              <a:t>price_range</a:t>
-            </a:r>
-            <a:r>
-              <a:rPr lang="es-ES" dirty="0"/>
-              <a:t>), lo cual parece indicar que la cantidad de memoria </a:t>
-            </a:r>
-            <a:r>
-              <a:rPr lang="es-ES" dirty="0" err="1"/>
-              <a:t>ram</a:t>
-            </a:r>
-            <a:r>
-              <a:rPr lang="es-ES" dirty="0"/>
-              <a:t> tiene mucha incidencia en el rango de precios.</a:t>
-            </a:r>
-          </a:p>
-          <a:p>
-            <a:pPr marL="342900" indent="-342900">
-              <a:buFont typeface="Arial" panose="020B0604020202020204" pitchFamily="34" charset="0"/>
-              <a:buChar char="•"/>
-            </a:pPr>
-            <a:endParaRPr lang="es-ES" dirty="0"/>
-          </a:p>
-          <a:p>
-            <a:pPr marL="342900" indent="-342900">
-              <a:buFont typeface="Arial" panose="020B0604020202020204" pitchFamily="34" charset="0"/>
-              <a:buChar char="•"/>
-            </a:pPr>
-            <a:r>
-              <a:rPr lang="es-ES" dirty="0"/>
-              <a:t>Se han visualizado todas las características que guardan una correlación y dado su existencia, se trabajara con todas esas características, eliminando todas aquella que no han presentado correlación alguna.</a:t>
-            </a:r>
-          </a:p>
-        </p:txBody>
-      </p:sp>
-      <p:cxnSp>
-        <p:nvCxnSpPr>
-          <p:cNvPr id="3" name="Conector recto 2">
-            <a:extLst>
-              <a:ext uri="{FF2B5EF4-FFF2-40B4-BE49-F238E27FC236}">
-                <a16:creationId xmlns:a16="http://schemas.microsoft.com/office/drawing/2014/main" id="{5E9922BB-210F-45FC-A99E-617448356742}"/>
-              </a:ext>
-            </a:extLst>
-          </p:cNvPr>
-          <p:cNvCxnSpPr>
-            <a:cxnSpLocks/>
-          </p:cNvCxnSpPr>
-          <p:nvPr/>
-        </p:nvCxnSpPr>
-        <p:spPr>
-          <a:xfrm>
-            <a:off x="-26980" y="1085850"/>
-            <a:ext cx="12218980" cy="0"/>
-          </a:xfrm>
-          <a:prstGeom prst="line">
-            <a:avLst/>
-          </a:prstGeom>
-          <a:ln>
-            <a:solidFill>
-              <a:srgbClr val="C00000"/>
-            </a:solidFill>
-          </a:ln>
-        </p:spPr>
-        <p:style>
-          <a:lnRef idx="3">
-            <a:schemeClr val="accent5"/>
-          </a:lnRef>
-          <a:fillRef idx="0">
-            <a:schemeClr val="accent5"/>
-          </a:fillRef>
-          <a:effectRef idx="2">
-            <a:schemeClr val="accent5"/>
-          </a:effectRef>
-          <a:fontRef idx="minor">
-            <a:schemeClr val="tx1"/>
-          </a:fontRef>
-        </p:style>
-      </p:cxnSp>
-    </p:spTree>
-    <p:extLst>
-      <p:ext uri="{BB962C8B-B14F-4D97-AF65-F5344CB8AC3E}">
-        <p14:creationId xmlns:p14="http://schemas.microsoft.com/office/powerpoint/2010/main" val="2347846744"/>
       </p:ext>
     </p:extLst>
   </p:cSld>
